--- a/Activity-Template_-Presentation.pptx
+++ b/Activity-Template_-Presentation.pptx
@@ -272,6 +272,4155 @@
     </p:ext>
   </p:extLst>
 </p:presentation>
+</file>
+
+<file path=ppt/charts/chart1.xml><?xml version="1.0" encoding="utf-8"?>
+<c:chartSpace xmlns:c="http://schemas.openxmlformats.org/drawingml/2006/chart" xmlns:a="http://schemas.openxmlformats.org/drawingml/2006/main" xmlns:r="http://schemas.openxmlformats.org/officeDocument/2006/relationships" xmlns:c16r2="http://schemas.microsoft.com/office/drawing/2015/06/chart">
+  <c:date1904 val="0"/>
+  <c:lang val="en-GB"/>
+  <c:roundedCorners val="0"/>
+  <mc:AlternateContent xmlns:mc="http://schemas.openxmlformats.org/markup-compatibility/2006">
+    <mc:Choice xmlns:c14="http://schemas.microsoft.com/office/drawing/2007/8/2/chart" Requires="c14">
+      <c14:style val="102"/>
+    </mc:Choice>
+    <mc:Fallback>
+      <c:style val="2"/>
+    </mc:Fallback>
+  </mc:AlternateContent>
+  <c:chart>
+    <c:title>
+      <c:overlay val="0"/>
+      <c:spPr>
+        <a:noFill/>
+        <a:ln>
+          <a:noFill/>
+        </a:ln>
+        <a:effectLst/>
+      </c:spPr>
+      <c:txPr>
+        <a:bodyPr rot="0" spcFirstLastPara="1" vertOverflow="ellipsis" vert="horz" wrap="square" anchor="ctr" anchorCtr="1"/>
+        <a:lstStyle/>
+        <a:p>
+          <a:pPr>
+            <a:defRPr sz="1800" b="1" i="0" u="none" strike="noStrike" kern="1200" baseline="0">
+              <a:solidFill>
+                <a:schemeClr val="dk1">
+                  <a:lumMod val="75000"/>
+                  <a:lumOff val="25000"/>
+                </a:schemeClr>
+              </a:solidFill>
+              <a:latin typeface="+mn-lt"/>
+              <a:ea typeface="+mn-ea"/>
+              <a:cs typeface="+mn-cs"/>
+            </a:defRPr>
+          </a:pPr>
+          <a:endParaRPr lang="en-US"/>
+        </a:p>
+      </c:txPr>
+    </c:title>
+    <c:autoTitleDeleted val="0"/>
+    <c:plotArea>
+      <c:layout/>
+      <c:barChart>
+        <c:barDir val="col"/>
+        <c:grouping val="clustered"/>
+        <c:varyColors val="0"/>
+        <c:ser>
+          <c:idx val="0"/>
+          <c:order val="0"/>
+          <c:tx>
+            <c:strRef>
+              <c:f>Sheet1!$B$5</c:f>
+              <c:strCache>
+                <c:ptCount val="1"/>
+                <c:pt idx="0">
+                  <c:v>On time delivery rate</c:v>
+                </c:pt>
+              </c:strCache>
+            </c:strRef>
+          </c:tx>
+          <c:spPr>
+            <a:solidFill>
+              <a:schemeClr val="accent1">
+                <a:alpha val="85000"/>
+              </a:schemeClr>
+            </a:solidFill>
+            <a:ln w="9525" cap="flat" cmpd="sng" algn="ctr">
+              <a:solidFill>
+                <a:schemeClr val="lt1">
+                  <a:alpha val="50000"/>
+                </a:schemeClr>
+              </a:solidFill>
+              <a:round/>
+            </a:ln>
+            <a:effectLst/>
+          </c:spPr>
+          <c:invertIfNegative val="0"/>
+          <c:dLbls>
+            <c:spPr>
+              <a:noFill/>
+              <a:ln>
+                <a:noFill/>
+              </a:ln>
+              <a:effectLst/>
+            </c:spPr>
+            <c:txPr>
+              <a:bodyPr rot="0" spcFirstLastPara="1" vertOverflow="ellipsis" vert="horz" wrap="square" lIns="38100" tIns="19050" rIns="38100" bIns="19050" anchor="ctr" anchorCtr="1">
+                <a:spAutoFit/>
+              </a:bodyPr>
+              <a:lstStyle/>
+              <a:p>
+                <a:pPr>
+                  <a:defRPr sz="900" b="1" i="0" u="none" strike="noStrike" kern="1200" baseline="0">
+                    <a:solidFill>
+                      <a:schemeClr val="lt1"/>
+                    </a:solidFill>
+                    <a:latin typeface="+mn-lt"/>
+                    <a:ea typeface="+mn-ea"/>
+                    <a:cs typeface="+mn-cs"/>
+                  </a:defRPr>
+                </a:pPr>
+                <a:endParaRPr lang="en-US"/>
+              </a:p>
+            </c:txPr>
+            <c:dLblPos val="inEnd"/>
+            <c:showLegendKey val="0"/>
+            <c:showVal val="1"/>
+            <c:showCatName val="0"/>
+            <c:showSerName val="0"/>
+            <c:showPercent val="0"/>
+            <c:showBubbleSize val="0"/>
+            <c:showLeaderLines val="0"/>
+            <c:extLst>
+              <c:ext xmlns:c15="http://schemas.microsoft.com/office/drawing/2012/chart" uri="{CE6537A1-D6FC-4f65-9D91-7224C49458BB}">
+                <c15:showLeaderLines val="1"/>
+                <c15:leaderLines>
+                  <c:spPr>
+                    <a:ln w="9525">
+                      <a:solidFill>
+                        <a:schemeClr val="dk1">
+                          <a:lumMod val="50000"/>
+                          <a:lumOff val="50000"/>
+                        </a:schemeClr>
+                      </a:solidFill>
+                    </a:ln>
+                    <a:effectLst/>
+                  </c:spPr>
+                </c15:leaderLines>
+              </c:ext>
+            </c:extLst>
+          </c:dLbls>
+          <c:cat>
+            <c:strRef>
+              <c:f>Sheet1!$A$6:$A$9</c:f>
+              <c:strCache>
+                <c:ptCount val="4"/>
+                <c:pt idx="0">
+                  <c:v>Week 1</c:v>
+                </c:pt>
+                <c:pt idx="1">
+                  <c:v>Week 2</c:v>
+                </c:pt>
+                <c:pt idx="2">
+                  <c:v>Week 3</c:v>
+                </c:pt>
+                <c:pt idx="3">
+                  <c:v>Week 4</c:v>
+                </c:pt>
+              </c:strCache>
+            </c:strRef>
+          </c:cat>
+          <c:val>
+            <c:numRef>
+              <c:f>Sheet1!$B$6:$B$9</c:f>
+              <c:numCache>
+                <c:formatCode>0%</c:formatCode>
+                <c:ptCount val="4"/>
+                <c:pt idx="0">
+                  <c:v>0.78</c:v>
+                </c:pt>
+                <c:pt idx="1">
+                  <c:v>0.8</c:v>
+                </c:pt>
+                <c:pt idx="2">
+                  <c:v>0.86</c:v>
+                </c:pt>
+                <c:pt idx="3">
+                  <c:v>0.9</c:v>
+                </c:pt>
+              </c:numCache>
+            </c:numRef>
+          </c:val>
+          <c:extLst>
+            <c:ext xmlns:c16="http://schemas.microsoft.com/office/drawing/2014/chart" uri="{C3380CC4-5D6E-409C-BE32-E72D297353CC}">
+              <c16:uniqueId val="{00000000-F3F8-C44C-A315-ADAC4F70B1BE}"/>
+            </c:ext>
+          </c:extLst>
+        </c:ser>
+        <c:dLbls>
+          <c:dLblPos val="inEnd"/>
+          <c:showLegendKey val="0"/>
+          <c:showVal val="1"/>
+          <c:showCatName val="0"/>
+          <c:showSerName val="0"/>
+          <c:showPercent val="0"/>
+          <c:showBubbleSize val="0"/>
+        </c:dLbls>
+        <c:gapWidth val="65"/>
+        <c:axId val="241358576"/>
+        <c:axId val="241440288"/>
+      </c:barChart>
+      <c:catAx>
+        <c:axId val="241358576"/>
+        <c:scaling>
+          <c:orientation val="minMax"/>
+        </c:scaling>
+        <c:delete val="0"/>
+        <c:axPos val="b"/>
+        <c:numFmt formatCode="General" sourceLinked="1"/>
+        <c:majorTickMark val="none"/>
+        <c:minorTickMark val="none"/>
+        <c:tickLblPos val="nextTo"/>
+        <c:spPr>
+          <a:noFill/>
+          <a:ln w="19050" cap="flat" cmpd="sng" algn="ctr">
+            <a:solidFill>
+              <a:schemeClr val="dk1">
+                <a:lumMod val="75000"/>
+                <a:lumOff val="25000"/>
+              </a:schemeClr>
+            </a:solidFill>
+            <a:round/>
+          </a:ln>
+          <a:effectLst/>
+        </c:spPr>
+        <c:txPr>
+          <a:bodyPr rot="-60000000" spcFirstLastPara="1" vertOverflow="ellipsis" vert="horz" wrap="square" anchor="ctr" anchorCtr="1"/>
+          <a:lstStyle/>
+          <a:p>
+            <a:pPr>
+              <a:defRPr sz="900" b="0" i="0" u="none" strike="noStrike" kern="1200" cap="all" baseline="0">
+                <a:solidFill>
+                  <a:schemeClr val="dk1">
+                    <a:lumMod val="75000"/>
+                    <a:lumOff val="25000"/>
+                  </a:schemeClr>
+                </a:solidFill>
+                <a:latin typeface="+mn-lt"/>
+                <a:ea typeface="+mn-ea"/>
+                <a:cs typeface="+mn-cs"/>
+              </a:defRPr>
+            </a:pPr>
+            <a:endParaRPr lang="en-US"/>
+          </a:p>
+        </c:txPr>
+        <c:crossAx val="241440288"/>
+        <c:crosses val="autoZero"/>
+        <c:auto val="1"/>
+        <c:lblAlgn val="ctr"/>
+        <c:lblOffset val="100"/>
+        <c:noMultiLvlLbl val="0"/>
+      </c:catAx>
+      <c:valAx>
+        <c:axId val="241440288"/>
+        <c:scaling>
+          <c:orientation val="minMax"/>
+        </c:scaling>
+        <c:delete val="1"/>
+        <c:axPos val="l"/>
+        <c:majorGridlines>
+          <c:spPr>
+            <a:ln w="9525" cap="flat" cmpd="sng" algn="ctr">
+              <a:gradFill>
+                <a:gsLst>
+                  <a:gs pos="100000">
+                    <a:schemeClr val="dk1">
+                      <a:lumMod val="95000"/>
+                      <a:lumOff val="5000"/>
+                      <a:alpha val="42000"/>
+                    </a:schemeClr>
+                  </a:gs>
+                  <a:gs pos="0">
+                    <a:schemeClr val="lt1">
+                      <a:lumMod val="75000"/>
+                      <a:alpha val="36000"/>
+                    </a:schemeClr>
+                  </a:gs>
+                </a:gsLst>
+                <a:lin ang="5400000" scaled="0"/>
+              </a:gradFill>
+              <a:round/>
+            </a:ln>
+            <a:effectLst/>
+          </c:spPr>
+        </c:majorGridlines>
+        <c:numFmt formatCode="0%" sourceLinked="1"/>
+        <c:majorTickMark val="none"/>
+        <c:minorTickMark val="none"/>
+        <c:tickLblPos val="nextTo"/>
+        <c:crossAx val="241358576"/>
+        <c:crosses val="autoZero"/>
+        <c:crossBetween val="between"/>
+      </c:valAx>
+      <c:spPr>
+        <a:noFill/>
+        <a:ln>
+          <a:noFill/>
+        </a:ln>
+        <a:effectLst/>
+      </c:spPr>
+    </c:plotArea>
+    <c:plotVisOnly val="1"/>
+    <c:dispBlanksAs val="gap"/>
+    <c:showDLblsOverMax val="0"/>
+  </c:chart>
+  <c:spPr>
+    <a:gradFill flip="none" rotWithShape="1">
+      <a:gsLst>
+        <a:gs pos="0">
+          <a:schemeClr val="lt1"/>
+        </a:gs>
+        <a:gs pos="39000">
+          <a:schemeClr val="lt1"/>
+        </a:gs>
+        <a:gs pos="100000">
+          <a:schemeClr val="lt1">
+            <a:lumMod val="75000"/>
+          </a:schemeClr>
+        </a:gs>
+      </a:gsLst>
+      <a:path path="circle">
+        <a:fillToRect l="50000" t="-80000" r="50000" b="180000"/>
+      </a:path>
+      <a:tileRect/>
+    </a:gradFill>
+    <a:ln w="9525" cap="flat" cmpd="sng" algn="ctr">
+      <a:solidFill>
+        <a:schemeClr val="dk1">
+          <a:lumMod val="25000"/>
+          <a:lumOff val="75000"/>
+        </a:schemeClr>
+      </a:solidFill>
+      <a:round/>
+    </a:ln>
+    <a:effectLst/>
+  </c:spPr>
+  <c:txPr>
+    <a:bodyPr/>
+    <a:lstStyle/>
+    <a:p>
+      <a:pPr>
+        <a:defRPr/>
+      </a:pPr>
+      <a:endParaRPr lang="en-US"/>
+    </a:p>
+  </c:txPr>
+  <c:externalData r:id="rId3">
+    <c:autoUpdate val="0"/>
+  </c:externalData>
+</c:chartSpace>
+</file>
+
+<file path=ppt/charts/chart2.xml><?xml version="1.0" encoding="utf-8"?>
+<c:chartSpace xmlns:c="http://schemas.openxmlformats.org/drawingml/2006/chart" xmlns:a="http://schemas.openxmlformats.org/drawingml/2006/main" xmlns:r="http://schemas.openxmlformats.org/officeDocument/2006/relationships" xmlns:c16r2="http://schemas.microsoft.com/office/drawing/2015/06/chart">
+  <c:date1904 val="0"/>
+  <c:lang val="en-GB"/>
+  <c:roundedCorners val="0"/>
+  <mc:AlternateContent xmlns:mc="http://schemas.openxmlformats.org/markup-compatibility/2006">
+    <mc:Choice xmlns:c14="http://schemas.microsoft.com/office/drawing/2007/8/2/chart" Requires="c14">
+      <c14:style val="102"/>
+    </mc:Choice>
+    <mc:Fallback>
+      <c:style val="2"/>
+    </mc:Fallback>
+  </mc:AlternateContent>
+  <c:chart>
+    <c:title>
+      <c:overlay val="0"/>
+      <c:spPr>
+        <a:noFill/>
+        <a:ln>
+          <a:noFill/>
+        </a:ln>
+        <a:effectLst/>
+      </c:spPr>
+      <c:txPr>
+        <a:bodyPr rot="0" spcFirstLastPara="1" vertOverflow="ellipsis" vert="horz" wrap="square" anchor="ctr" anchorCtr="1"/>
+        <a:lstStyle/>
+        <a:p>
+          <a:pPr>
+            <a:defRPr sz="1600" b="1" i="0" u="none" strike="noStrike" kern="1200" cap="all" baseline="0">
+              <a:solidFill>
+                <a:schemeClr val="tx1">
+                  <a:lumMod val="65000"/>
+                  <a:lumOff val="35000"/>
+                </a:schemeClr>
+              </a:solidFill>
+              <a:latin typeface="+mn-lt"/>
+              <a:ea typeface="+mn-ea"/>
+              <a:cs typeface="+mn-cs"/>
+            </a:defRPr>
+          </a:pPr>
+          <a:endParaRPr lang="en-US"/>
+        </a:p>
+      </c:txPr>
+    </c:title>
+    <c:autoTitleDeleted val="0"/>
+    <c:view3D>
+      <c:rotX val="30"/>
+      <c:rotY val="0"/>
+      <c:depthPercent val="100"/>
+      <c:rAngAx val="0"/>
+    </c:view3D>
+    <c:floor>
+      <c:thickness val="0"/>
+      <c:spPr>
+        <a:noFill/>
+        <a:ln>
+          <a:noFill/>
+        </a:ln>
+        <a:effectLst/>
+        <a:sp3d/>
+      </c:spPr>
+    </c:floor>
+    <c:sideWall>
+      <c:thickness val="0"/>
+      <c:spPr>
+        <a:noFill/>
+        <a:ln>
+          <a:noFill/>
+        </a:ln>
+        <a:effectLst/>
+        <a:sp3d/>
+      </c:spPr>
+    </c:sideWall>
+    <c:backWall>
+      <c:thickness val="0"/>
+      <c:spPr>
+        <a:noFill/>
+        <a:ln>
+          <a:noFill/>
+        </a:ln>
+        <a:effectLst/>
+        <a:sp3d/>
+      </c:spPr>
+    </c:backWall>
+    <c:plotArea>
+      <c:layout/>
+      <c:pie3DChart>
+        <c:varyColors val="1"/>
+        <c:ser>
+          <c:idx val="0"/>
+          <c:order val="0"/>
+          <c:tx>
+            <c:strRef>
+              <c:f>Sheet1!$I$25</c:f>
+              <c:strCache>
+                <c:ptCount val="1"/>
+                <c:pt idx="0">
+                  <c:v>Delivery volume</c:v>
+                </c:pt>
+              </c:strCache>
+            </c:strRef>
+          </c:tx>
+          <c:dPt>
+            <c:idx val="0"/>
+            <c:bubble3D val="0"/>
+            <c:spPr>
+              <a:pattFill prst="pct70">
+                <a:fgClr>
+                  <a:schemeClr val="accent6">
+                    <a:lumMod val="50000"/>
+                  </a:schemeClr>
+                </a:fgClr>
+                <a:bgClr>
+                  <a:schemeClr val="bg1"/>
+                </a:bgClr>
+              </a:pattFill>
+              <a:ln>
+                <a:noFill/>
+              </a:ln>
+              <a:effectLst>
+                <a:outerShdw blurRad="88900" sx="102000" sy="102000" algn="ctr" rotWithShape="0">
+                  <a:prstClr val="black">
+                    <a:alpha val="10000"/>
+                  </a:prstClr>
+                </a:outerShdw>
+              </a:effectLst>
+              <a:scene3d>
+                <a:camera prst="orthographicFront"/>
+                <a:lightRig rig="threePt" dir="t"/>
+              </a:scene3d>
+              <a:sp3d>
+                <a:bevelT w="127000" h="127000"/>
+                <a:bevelB w="127000" h="127000"/>
+              </a:sp3d>
+            </c:spPr>
+            <c:extLst>
+              <c:ext xmlns:c16="http://schemas.microsoft.com/office/drawing/2014/chart" uri="{C3380CC4-5D6E-409C-BE32-E72D297353CC}">
+                <c16:uniqueId val="{00000001-BE15-DE4A-9F54-3E11660CB013}"/>
+              </c:ext>
+            </c:extLst>
+          </c:dPt>
+          <c:dPt>
+            <c:idx val="1"/>
+            <c:bubble3D val="0"/>
+            <c:spPr>
+              <a:pattFill prst="wdUpDiag">
+                <a:fgClr>
+                  <a:schemeClr val="tx2">
+                    <a:lumMod val="50000"/>
+                  </a:schemeClr>
+                </a:fgClr>
+                <a:bgClr>
+                  <a:schemeClr val="bg1"/>
+                </a:bgClr>
+              </a:pattFill>
+              <a:ln>
+                <a:noFill/>
+              </a:ln>
+              <a:effectLst>
+                <a:outerShdw blurRad="88900" sx="102000" sy="102000" algn="ctr" rotWithShape="0">
+                  <a:prstClr val="black">
+                    <a:alpha val="10000"/>
+                  </a:prstClr>
+                </a:outerShdw>
+              </a:effectLst>
+              <a:scene3d>
+                <a:camera prst="orthographicFront"/>
+                <a:lightRig rig="threePt" dir="t"/>
+              </a:scene3d>
+              <a:sp3d>
+                <a:bevelT w="127000" h="127000"/>
+                <a:bevelB w="127000" h="127000"/>
+              </a:sp3d>
+            </c:spPr>
+            <c:extLst>
+              <c:ext xmlns:c16="http://schemas.microsoft.com/office/drawing/2014/chart" uri="{C3380CC4-5D6E-409C-BE32-E72D297353CC}">
+                <c16:uniqueId val="{00000003-BE15-DE4A-9F54-3E11660CB013}"/>
+              </c:ext>
+            </c:extLst>
+          </c:dPt>
+          <c:dPt>
+            <c:idx val="2"/>
+            <c:bubble3D val="0"/>
+            <c:spPr>
+              <a:pattFill prst="pct5">
+                <a:fgClr>
+                  <a:schemeClr val="accent5">
+                    <a:lumMod val="75000"/>
+                  </a:schemeClr>
+                </a:fgClr>
+                <a:bgClr>
+                  <a:schemeClr val="accent6">
+                    <a:lumMod val="20000"/>
+                    <a:lumOff val="80000"/>
+                  </a:schemeClr>
+                </a:bgClr>
+              </a:pattFill>
+              <a:ln>
+                <a:noFill/>
+              </a:ln>
+              <a:effectLst>
+                <a:outerShdw blurRad="88900" sx="102000" sy="102000" algn="ctr" rotWithShape="0">
+                  <a:prstClr val="black">
+                    <a:alpha val="10000"/>
+                  </a:prstClr>
+                </a:outerShdw>
+              </a:effectLst>
+              <a:scene3d>
+                <a:camera prst="orthographicFront"/>
+                <a:lightRig rig="threePt" dir="t"/>
+              </a:scene3d>
+              <a:sp3d>
+                <a:bevelT w="127000" h="127000"/>
+                <a:bevelB w="127000" h="127000"/>
+              </a:sp3d>
+            </c:spPr>
+            <c:extLst>
+              <c:ext xmlns:c16="http://schemas.microsoft.com/office/drawing/2014/chart" uri="{C3380CC4-5D6E-409C-BE32-E72D297353CC}">
+                <c16:uniqueId val="{00000005-BE15-DE4A-9F54-3E11660CB013}"/>
+              </c:ext>
+            </c:extLst>
+          </c:dPt>
+          <c:dPt>
+            <c:idx val="3"/>
+            <c:bubble3D val="0"/>
+            <c:spPr>
+              <a:pattFill prst="horzBrick">
+                <a:fgClr>
+                  <a:schemeClr val="accent4"/>
+                </a:fgClr>
+                <a:bgClr>
+                  <a:schemeClr val="accent6">
+                    <a:lumMod val="20000"/>
+                    <a:lumOff val="80000"/>
+                  </a:schemeClr>
+                </a:bgClr>
+              </a:pattFill>
+              <a:ln>
+                <a:noFill/>
+              </a:ln>
+              <a:effectLst>
+                <a:outerShdw blurRad="88900" sx="102000" sy="102000" algn="ctr" rotWithShape="0">
+                  <a:prstClr val="black">
+                    <a:alpha val="10000"/>
+                  </a:prstClr>
+                </a:outerShdw>
+              </a:effectLst>
+              <a:scene3d>
+                <a:camera prst="orthographicFront"/>
+                <a:lightRig rig="threePt" dir="t"/>
+              </a:scene3d>
+              <a:sp3d>
+                <a:bevelT w="127000" h="127000"/>
+                <a:bevelB w="127000" h="127000"/>
+              </a:sp3d>
+            </c:spPr>
+            <c:extLst>
+              <c:ext xmlns:c16="http://schemas.microsoft.com/office/drawing/2014/chart" uri="{C3380CC4-5D6E-409C-BE32-E72D297353CC}">
+                <c16:uniqueId val="{00000007-BE15-DE4A-9F54-3E11660CB013}"/>
+              </c:ext>
+            </c:extLst>
+          </c:dPt>
+          <c:dPt>
+            <c:idx val="4"/>
+            <c:bubble3D val="0"/>
+            <c:spPr>
+              <a:pattFill prst="lgCheck">
+                <a:fgClr>
+                  <a:schemeClr val="accent5"/>
+                </a:fgClr>
+                <a:bgClr>
+                  <a:schemeClr val="bg1"/>
+                </a:bgClr>
+              </a:pattFill>
+              <a:ln>
+                <a:noFill/>
+              </a:ln>
+              <a:effectLst>
+                <a:outerShdw blurRad="88900" sx="102000" sy="102000" algn="ctr" rotWithShape="0">
+                  <a:prstClr val="black">
+                    <a:alpha val="10000"/>
+                  </a:prstClr>
+                </a:outerShdw>
+              </a:effectLst>
+              <a:scene3d>
+                <a:camera prst="orthographicFront"/>
+                <a:lightRig rig="threePt" dir="t"/>
+              </a:scene3d>
+              <a:sp3d>
+                <a:bevelT w="127000" h="127000"/>
+                <a:bevelB w="127000" h="127000"/>
+              </a:sp3d>
+            </c:spPr>
+            <c:extLst>
+              <c:ext xmlns:c16="http://schemas.microsoft.com/office/drawing/2014/chart" uri="{C3380CC4-5D6E-409C-BE32-E72D297353CC}">
+                <c16:uniqueId val="{00000009-BE15-DE4A-9F54-3E11660CB013}"/>
+              </c:ext>
+            </c:extLst>
+          </c:dPt>
+          <c:dLbls>
+            <c:dLbl>
+              <c:idx val="0"/>
+              <c:layout>
+                <c:manualLayout>
+                  <c:x val="5.5555555555553519E-3"/>
+                  <c:y val="0.22222222222222213"/>
+                </c:manualLayout>
+              </c:layout>
+              <c:tx>
+                <c:rich>
+                  <a:bodyPr rot="0" spcFirstLastPara="1" vertOverflow="ellipsis" vert="horz" wrap="square" lIns="38100" tIns="19050" rIns="38100" bIns="19050" anchor="ctr" anchorCtr="1">
+                    <a:spAutoFit/>
+                  </a:bodyPr>
+                  <a:lstStyle/>
+                  <a:p>
+                    <a:pPr>
+                      <a:defRPr sz="1000" b="1" i="0" u="none" strike="noStrike" kern="1200" spc="0" baseline="0">
+                        <a:solidFill>
+                          <a:schemeClr val="accent1"/>
+                        </a:solidFill>
+                        <a:latin typeface="+mn-lt"/>
+                        <a:ea typeface="+mn-ea"/>
+                        <a:cs typeface="+mn-cs"/>
+                      </a:defRPr>
+                    </a:pPr>
+                    <a:fld id="{843B518B-04A0-1F46-964F-9927FAE6C1F9}" type="CATEGORYNAME">
+                      <a:rPr lang="en-US" dirty="0">
+                        <a:solidFill>
+                          <a:schemeClr val="accent6">
+                            <a:lumMod val="50000"/>
+                          </a:schemeClr>
+                        </a:solidFill>
+                      </a:rPr>
+                      <a:pPr>
+                        <a:defRPr/>
+                      </a:pPr>
+                      <a:t>[CATEGORY NAME]</a:t>
+                    </a:fld>
+                    <a:r>
+                      <a:rPr lang="en-US" baseline="0" dirty="0">
+                        <a:solidFill>
+                          <a:schemeClr val="accent6">
+                            <a:lumMod val="50000"/>
+                          </a:schemeClr>
+                        </a:solidFill>
+                      </a:rPr>
+                      <a:t>
+</a:t>
+                    </a:r>
+                    <a:fld id="{B4739037-A3B0-4942-9C67-BEC1413333BC}" type="PERCENTAGE">
+                      <a:rPr lang="en-US" baseline="0" dirty="0">
+                        <a:solidFill>
+                          <a:schemeClr val="accent6">
+                            <a:lumMod val="50000"/>
+                          </a:schemeClr>
+                        </a:solidFill>
+                      </a:rPr>
+                      <a:pPr>
+                        <a:defRPr/>
+                      </a:pPr>
+                      <a:t>[PERCENTAGE]</a:t>
+                    </a:fld>
+                    <a:endParaRPr lang="en-US" baseline="0" dirty="0">
+                      <a:solidFill>
+                        <a:schemeClr val="accent6">
+                          <a:lumMod val="50000"/>
+                        </a:schemeClr>
+                      </a:solidFill>
+                    </a:endParaRPr>
+                  </a:p>
+                </c:rich>
+              </c:tx>
+              <c:spPr>
+                <a:noFill/>
+                <a:ln>
+                  <a:noFill/>
+                </a:ln>
+                <a:effectLst/>
+              </c:spPr>
+              <c:txPr>
+                <a:bodyPr rot="0" spcFirstLastPara="1" vertOverflow="ellipsis" vert="horz" wrap="square" lIns="38100" tIns="19050" rIns="38100" bIns="19050" anchor="ctr" anchorCtr="1">
+                  <a:spAutoFit/>
+                </a:bodyPr>
+                <a:lstStyle/>
+                <a:p>
+                  <a:pPr>
+                    <a:defRPr sz="1000" b="1" i="0" u="none" strike="noStrike" kern="1200" spc="0" baseline="0">
+                      <a:solidFill>
+                        <a:schemeClr val="accent1"/>
+                      </a:solidFill>
+                      <a:latin typeface="+mn-lt"/>
+                      <a:ea typeface="+mn-ea"/>
+                      <a:cs typeface="+mn-cs"/>
+                    </a:defRPr>
+                  </a:pPr>
+                  <a:endParaRPr lang="en-US"/>
+                </a:p>
+              </c:txPr>
+              <c:dLblPos val="bestFit"/>
+              <c:showLegendKey val="0"/>
+              <c:showVal val="0"/>
+              <c:showCatName val="1"/>
+              <c:showSerName val="0"/>
+              <c:showPercent val="1"/>
+              <c:showBubbleSize val="0"/>
+              <c:extLst>
+                <c:ext xmlns:c15="http://schemas.microsoft.com/office/drawing/2012/chart" uri="{CE6537A1-D6FC-4f65-9D91-7224C49458BB}">
+                  <c15:dlblFieldTable/>
+                  <c15:showDataLabelsRange val="0"/>
+                </c:ext>
+                <c:ext xmlns:c16="http://schemas.microsoft.com/office/drawing/2014/chart" uri="{C3380CC4-5D6E-409C-BE32-E72D297353CC}">
+                  <c16:uniqueId val="{00000001-BE15-DE4A-9F54-3E11660CB013}"/>
+                </c:ext>
+              </c:extLst>
+            </c:dLbl>
+            <c:dLbl>
+              <c:idx val="1"/>
+              <c:layout>
+                <c:manualLayout>
+                  <c:x val="-2.2222222222222227E-2"/>
+                  <c:y val="4.6296296296296127E-2"/>
+                </c:manualLayout>
+              </c:layout>
+              <c:spPr>
+                <a:noFill/>
+                <a:ln>
+                  <a:noFill/>
+                </a:ln>
+                <a:effectLst/>
+              </c:spPr>
+              <c:txPr>
+                <a:bodyPr rot="0" spcFirstLastPara="1" vertOverflow="ellipsis" vert="horz" wrap="square" lIns="38100" tIns="19050" rIns="38100" bIns="19050" anchor="ctr" anchorCtr="1">
+                  <a:spAutoFit/>
+                </a:bodyPr>
+                <a:lstStyle/>
+                <a:p>
+                  <a:pPr>
+                    <a:defRPr sz="1000" b="1" i="0" u="none" strike="noStrike" kern="1200" spc="0" baseline="0">
+                      <a:solidFill>
+                        <a:schemeClr val="accent2"/>
+                      </a:solidFill>
+                      <a:latin typeface="+mn-lt"/>
+                      <a:ea typeface="+mn-ea"/>
+                      <a:cs typeface="+mn-cs"/>
+                    </a:defRPr>
+                  </a:pPr>
+                  <a:endParaRPr lang="en-US"/>
+                </a:p>
+              </c:txPr>
+              <c:dLblPos val="bestFit"/>
+              <c:showLegendKey val="0"/>
+              <c:showVal val="0"/>
+              <c:showCatName val="1"/>
+              <c:showSerName val="0"/>
+              <c:showPercent val="1"/>
+              <c:showBubbleSize val="0"/>
+              <c:extLst>
+                <c:ext xmlns:c15="http://schemas.microsoft.com/office/drawing/2012/chart" uri="{CE6537A1-D6FC-4f65-9D91-7224C49458BB}"/>
+                <c:ext xmlns:c16="http://schemas.microsoft.com/office/drawing/2014/chart" uri="{C3380CC4-5D6E-409C-BE32-E72D297353CC}">
+                  <c16:uniqueId val="{00000003-BE15-DE4A-9F54-3E11660CB013}"/>
+                </c:ext>
+              </c:extLst>
+            </c:dLbl>
+            <c:dLbl>
+              <c:idx val="2"/>
+              <c:layout>
+                <c:manualLayout>
+                  <c:x val="-4.1666666666666678E-2"/>
+                  <c:y val="-4.1666666666666706E-2"/>
+                </c:manualLayout>
+              </c:layout>
+              <c:spPr>
+                <a:noFill/>
+                <a:ln>
+                  <a:noFill/>
+                </a:ln>
+                <a:effectLst/>
+              </c:spPr>
+              <c:txPr>
+                <a:bodyPr rot="0" spcFirstLastPara="1" vertOverflow="ellipsis" vert="horz" wrap="square" lIns="38100" tIns="19050" rIns="38100" bIns="19050" anchor="ctr" anchorCtr="1">
+                  <a:spAutoFit/>
+                </a:bodyPr>
+                <a:lstStyle/>
+                <a:p>
+                  <a:pPr>
+                    <a:defRPr sz="1000" b="1" i="0" u="none" strike="noStrike" kern="1200" spc="0" baseline="0">
+                      <a:solidFill>
+                        <a:schemeClr val="accent3"/>
+                      </a:solidFill>
+                      <a:latin typeface="+mn-lt"/>
+                      <a:ea typeface="+mn-ea"/>
+                      <a:cs typeface="+mn-cs"/>
+                    </a:defRPr>
+                  </a:pPr>
+                  <a:endParaRPr lang="en-US"/>
+                </a:p>
+              </c:txPr>
+              <c:dLblPos val="bestFit"/>
+              <c:showLegendKey val="0"/>
+              <c:showVal val="0"/>
+              <c:showCatName val="1"/>
+              <c:showSerName val="0"/>
+              <c:showPercent val="1"/>
+              <c:showBubbleSize val="0"/>
+              <c:extLst>
+                <c:ext xmlns:c15="http://schemas.microsoft.com/office/drawing/2012/chart" uri="{CE6537A1-D6FC-4f65-9D91-7224C49458BB}"/>
+                <c:ext xmlns:c16="http://schemas.microsoft.com/office/drawing/2014/chart" uri="{C3380CC4-5D6E-409C-BE32-E72D297353CC}">
+                  <c16:uniqueId val="{00000005-BE15-DE4A-9F54-3E11660CB013}"/>
+                </c:ext>
+              </c:extLst>
+            </c:dLbl>
+            <c:dLbl>
+              <c:idx val="3"/>
+              <c:layout>
+                <c:manualLayout>
+                  <c:x val="3.3333333333333333E-2"/>
+                  <c:y val="-1.3888888888888888E-2"/>
+                </c:manualLayout>
+              </c:layout>
+              <c:spPr>
+                <a:noFill/>
+                <a:ln>
+                  <a:noFill/>
+                </a:ln>
+                <a:effectLst/>
+              </c:spPr>
+              <c:txPr>
+                <a:bodyPr rot="0" spcFirstLastPara="1" vertOverflow="ellipsis" vert="horz" wrap="square" lIns="38100" tIns="19050" rIns="38100" bIns="19050" anchor="ctr" anchorCtr="1">
+                  <a:spAutoFit/>
+                </a:bodyPr>
+                <a:lstStyle/>
+                <a:p>
+                  <a:pPr>
+                    <a:defRPr sz="1000" b="1" i="0" u="none" strike="noStrike" kern="1200" spc="0" baseline="0">
+                      <a:solidFill>
+                        <a:schemeClr val="accent4"/>
+                      </a:solidFill>
+                      <a:latin typeface="+mn-lt"/>
+                      <a:ea typeface="+mn-ea"/>
+                      <a:cs typeface="+mn-cs"/>
+                    </a:defRPr>
+                  </a:pPr>
+                  <a:endParaRPr lang="en-US"/>
+                </a:p>
+              </c:txPr>
+              <c:dLblPos val="bestFit"/>
+              <c:showLegendKey val="0"/>
+              <c:showVal val="0"/>
+              <c:showCatName val="1"/>
+              <c:showSerName val="0"/>
+              <c:showPercent val="1"/>
+              <c:showBubbleSize val="0"/>
+              <c:extLst>
+                <c:ext xmlns:c15="http://schemas.microsoft.com/office/drawing/2012/chart" uri="{CE6537A1-D6FC-4f65-9D91-7224C49458BB}"/>
+                <c:ext xmlns:c16="http://schemas.microsoft.com/office/drawing/2014/chart" uri="{C3380CC4-5D6E-409C-BE32-E72D297353CC}">
+                  <c16:uniqueId val="{00000007-BE15-DE4A-9F54-3E11660CB013}"/>
+                </c:ext>
+              </c:extLst>
+            </c:dLbl>
+            <c:dLbl>
+              <c:idx val="4"/>
+              <c:layout>
+                <c:manualLayout>
+                  <c:x val="0.10833333333333328"/>
+                  <c:y val="-2.7777777777777776E-2"/>
+                </c:manualLayout>
+              </c:layout>
+              <c:spPr>
+                <a:noFill/>
+                <a:ln>
+                  <a:noFill/>
+                </a:ln>
+                <a:effectLst/>
+              </c:spPr>
+              <c:txPr>
+                <a:bodyPr rot="0" spcFirstLastPara="1" vertOverflow="ellipsis" vert="horz" wrap="square" lIns="38100" tIns="19050" rIns="38100" bIns="19050" anchor="ctr" anchorCtr="1">
+                  <a:spAutoFit/>
+                </a:bodyPr>
+                <a:lstStyle/>
+                <a:p>
+                  <a:pPr>
+                    <a:defRPr sz="1000" b="1" i="0" u="none" strike="noStrike" kern="1200" spc="0" baseline="0">
+                      <a:solidFill>
+                        <a:schemeClr val="accent5"/>
+                      </a:solidFill>
+                      <a:latin typeface="+mn-lt"/>
+                      <a:ea typeface="+mn-ea"/>
+                      <a:cs typeface="+mn-cs"/>
+                    </a:defRPr>
+                  </a:pPr>
+                  <a:endParaRPr lang="en-US"/>
+                </a:p>
+              </c:txPr>
+              <c:dLblPos val="bestFit"/>
+              <c:showLegendKey val="0"/>
+              <c:showVal val="0"/>
+              <c:showCatName val="1"/>
+              <c:showSerName val="0"/>
+              <c:showPercent val="1"/>
+              <c:showBubbleSize val="0"/>
+              <c:extLst>
+                <c:ext xmlns:c15="http://schemas.microsoft.com/office/drawing/2012/chart" uri="{CE6537A1-D6FC-4f65-9D91-7224C49458BB}"/>
+                <c:ext xmlns:c16="http://schemas.microsoft.com/office/drawing/2014/chart" uri="{C3380CC4-5D6E-409C-BE32-E72D297353CC}">
+                  <c16:uniqueId val="{00000009-BE15-DE4A-9F54-3E11660CB013}"/>
+                </c:ext>
+              </c:extLst>
+            </c:dLbl>
+            <c:spPr>
+              <a:noFill/>
+              <a:ln>
+                <a:noFill/>
+              </a:ln>
+              <a:effectLst/>
+            </c:spPr>
+            <c:dLblPos val="outEnd"/>
+            <c:showLegendKey val="0"/>
+            <c:showVal val="0"/>
+            <c:showCatName val="1"/>
+            <c:showSerName val="0"/>
+            <c:showPercent val="1"/>
+            <c:showBubbleSize val="0"/>
+            <c:showLeaderLines val="1"/>
+            <c:leaderLines>
+              <c:spPr>
+                <a:ln w="9525" cap="flat" cmpd="sng" algn="ctr">
+                  <a:solidFill>
+                    <a:schemeClr val="tx1">
+                      <a:lumMod val="35000"/>
+                      <a:lumOff val="65000"/>
+                    </a:schemeClr>
+                  </a:solidFill>
+                  <a:round/>
+                </a:ln>
+                <a:effectLst/>
+              </c:spPr>
+            </c:leaderLines>
+            <c:extLst>
+              <c:ext xmlns:c15="http://schemas.microsoft.com/office/drawing/2012/chart" uri="{CE6537A1-D6FC-4f65-9D91-7224C49458BB}"/>
+            </c:extLst>
+          </c:dLbls>
+          <c:cat>
+            <c:strRef>
+              <c:f>Sheet1!$H$26:$H$30</c:f>
+              <c:strCache>
+                <c:ptCount val="5"/>
+                <c:pt idx="0">
+                  <c:v>Before 9 AM</c:v>
+                </c:pt>
+                <c:pt idx="1">
+                  <c:v>9 AM - 12 PM</c:v>
+                </c:pt>
+                <c:pt idx="2">
+                  <c:v>12 PM - 4 PM</c:v>
+                </c:pt>
+                <c:pt idx="3">
+                  <c:v>4 PM - 7 PM</c:v>
+                </c:pt>
+                <c:pt idx="4">
+                  <c:v>After 7 PM</c:v>
+                </c:pt>
+              </c:strCache>
+            </c:strRef>
+          </c:cat>
+          <c:val>
+            <c:numRef>
+              <c:f>Sheet1!$I$26:$I$30</c:f>
+              <c:numCache>
+                <c:formatCode>0%</c:formatCode>
+                <c:ptCount val="5"/>
+                <c:pt idx="0">
+                  <c:v>0.5</c:v>
+                </c:pt>
+                <c:pt idx="1">
+                  <c:v>0.3</c:v>
+                </c:pt>
+                <c:pt idx="2">
+                  <c:v>0.1</c:v>
+                </c:pt>
+                <c:pt idx="3">
+                  <c:v>0.05</c:v>
+                </c:pt>
+                <c:pt idx="4">
+                  <c:v>0.05</c:v>
+                </c:pt>
+              </c:numCache>
+            </c:numRef>
+          </c:val>
+          <c:extLst>
+            <c:ext xmlns:c16="http://schemas.microsoft.com/office/drawing/2014/chart" uri="{C3380CC4-5D6E-409C-BE32-E72D297353CC}">
+              <c16:uniqueId val="{0000000A-BE15-DE4A-9F54-3E11660CB013}"/>
+            </c:ext>
+          </c:extLst>
+        </c:ser>
+        <c:dLbls>
+          <c:dLblPos val="outEnd"/>
+          <c:showLegendKey val="0"/>
+          <c:showVal val="0"/>
+          <c:showCatName val="1"/>
+          <c:showSerName val="0"/>
+          <c:showPercent val="0"/>
+          <c:showBubbleSize val="0"/>
+          <c:showLeaderLines val="1"/>
+        </c:dLbls>
+      </c:pie3DChart>
+      <c:spPr>
+        <a:noFill/>
+        <a:ln>
+          <a:noFill/>
+        </a:ln>
+        <a:effectLst/>
+      </c:spPr>
+    </c:plotArea>
+    <c:plotVisOnly val="1"/>
+    <c:dispBlanksAs val="gap"/>
+    <c:extLst>
+      <c:ext xmlns:c16r3="http://schemas.microsoft.com/office/drawing/2017/03/chart" uri="{56B9EC1D-385E-4148-901F-78D8002777C0}">
+        <c16r3:dataDisplayOptions16>
+          <c16r3:dispNaAsBlank val="1"/>
+        </c16r3:dataDisplayOptions16>
+      </c:ext>
+    </c:extLst>
+    <c:showDLblsOverMax val="0"/>
+  </c:chart>
+  <c:spPr>
+    <a:noFill/>
+    <a:ln>
+      <a:noFill/>
+    </a:ln>
+    <a:effectLst/>
+  </c:spPr>
+  <c:txPr>
+    <a:bodyPr/>
+    <a:lstStyle/>
+    <a:p>
+      <a:pPr>
+        <a:defRPr/>
+      </a:pPr>
+      <a:endParaRPr lang="en-US"/>
+    </a:p>
+  </c:txPr>
+  <c:externalData r:id="rId3">
+    <c:autoUpdate val="0"/>
+  </c:externalData>
+</c:chartSpace>
+</file>
+
+<file path=ppt/charts/chart3.xml><?xml version="1.0" encoding="utf-8"?>
+<c:chartSpace xmlns:c="http://schemas.openxmlformats.org/drawingml/2006/chart" xmlns:a="http://schemas.openxmlformats.org/drawingml/2006/main" xmlns:r="http://schemas.openxmlformats.org/officeDocument/2006/relationships" xmlns:c16r2="http://schemas.microsoft.com/office/drawing/2015/06/chart">
+  <c:date1904 val="0"/>
+  <c:lang val="en-GB"/>
+  <c:roundedCorners val="0"/>
+  <mc:AlternateContent xmlns:mc="http://schemas.openxmlformats.org/markup-compatibility/2006">
+    <mc:Choice xmlns:c14="http://schemas.microsoft.com/office/drawing/2007/8/2/chart" Requires="c14">
+      <c14:style val="102"/>
+    </mc:Choice>
+    <mc:Fallback>
+      <c:style val="2"/>
+    </mc:Fallback>
+  </mc:AlternateContent>
+  <c:chart>
+    <c:title>
+      <c:overlay val="0"/>
+      <c:spPr>
+        <a:noFill/>
+        <a:ln>
+          <a:noFill/>
+        </a:ln>
+        <a:effectLst/>
+      </c:spPr>
+      <c:txPr>
+        <a:bodyPr rot="0" spcFirstLastPara="1" vertOverflow="ellipsis" vert="horz" wrap="square" anchor="ctr" anchorCtr="1"/>
+        <a:lstStyle/>
+        <a:p>
+          <a:pPr>
+            <a:defRPr sz="1400" b="0" i="0" u="none" strike="noStrike" kern="1200" spc="0" baseline="0">
+              <a:solidFill>
+                <a:schemeClr val="tx1">
+                  <a:lumMod val="65000"/>
+                  <a:lumOff val="35000"/>
+                </a:schemeClr>
+              </a:solidFill>
+              <a:latin typeface="+mn-lt"/>
+              <a:ea typeface="+mn-ea"/>
+              <a:cs typeface="+mn-cs"/>
+            </a:defRPr>
+          </a:pPr>
+          <a:endParaRPr lang="en-US"/>
+        </a:p>
+      </c:txPr>
+    </c:title>
+    <c:autoTitleDeleted val="0"/>
+    <c:plotArea>
+      <c:layout/>
+      <c:lineChart>
+        <c:grouping val="standard"/>
+        <c:varyColors val="0"/>
+        <c:ser>
+          <c:idx val="0"/>
+          <c:order val="0"/>
+          <c:tx>
+            <c:strRef>
+              <c:f>Sheet1!$M$2</c:f>
+              <c:strCache>
+                <c:ptCount val="1"/>
+                <c:pt idx="0">
+                  <c:v>Average customer satisfaction score</c:v>
+                </c:pt>
+              </c:strCache>
+            </c:strRef>
+          </c:tx>
+          <c:spPr>
+            <a:ln w="28575" cap="rnd">
+              <a:solidFill>
+                <a:schemeClr val="accent1"/>
+              </a:solidFill>
+              <a:round/>
+            </a:ln>
+            <a:effectLst/>
+          </c:spPr>
+          <c:marker>
+            <c:symbol val="none"/>
+          </c:marker>
+          <c:cat>
+            <c:strRef>
+              <c:f>Sheet1!$L$3:$L$6</c:f>
+              <c:strCache>
+                <c:ptCount val="4"/>
+                <c:pt idx="0">
+                  <c:v>Week 1</c:v>
+                </c:pt>
+                <c:pt idx="1">
+                  <c:v>Week 2</c:v>
+                </c:pt>
+                <c:pt idx="2">
+                  <c:v>Week 3</c:v>
+                </c:pt>
+                <c:pt idx="3">
+                  <c:v>Week 4</c:v>
+                </c:pt>
+              </c:strCache>
+            </c:strRef>
+          </c:cat>
+          <c:val>
+            <c:numRef>
+              <c:f>Sheet1!$M$3:$M$6</c:f>
+              <c:numCache>
+                <c:formatCode>General</c:formatCode>
+                <c:ptCount val="4"/>
+                <c:pt idx="0">
+                  <c:v>2.2999999999999998</c:v>
+                </c:pt>
+                <c:pt idx="1">
+                  <c:v>2.5</c:v>
+                </c:pt>
+                <c:pt idx="2">
+                  <c:v>4</c:v>
+                </c:pt>
+                <c:pt idx="3">
+                  <c:v>4.5999999999999996</c:v>
+                </c:pt>
+              </c:numCache>
+            </c:numRef>
+          </c:val>
+          <c:smooth val="0"/>
+          <c:extLst>
+            <c:ext xmlns:c16="http://schemas.microsoft.com/office/drawing/2014/chart" uri="{C3380CC4-5D6E-409C-BE32-E72D297353CC}">
+              <c16:uniqueId val="{00000000-49BF-8542-8FBB-BE4F44FA7189}"/>
+            </c:ext>
+          </c:extLst>
+        </c:ser>
+        <c:dLbls>
+          <c:showLegendKey val="0"/>
+          <c:showVal val="0"/>
+          <c:showCatName val="0"/>
+          <c:showSerName val="0"/>
+          <c:showPercent val="0"/>
+          <c:showBubbleSize val="0"/>
+        </c:dLbls>
+        <c:smooth val="0"/>
+        <c:axId val="252020192"/>
+        <c:axId val="317692880"/>
+      </c:lineChart>
+      <c:catAx>
+        <c:axId val="252020192"/>
+        <c:scaling>
+          <c:orientation val="minMax"/>
+        </c:scaling>
+        <c:delete val="0"/>
+        <c:axPos val="b"/>
+        <c:numFmt formatCode="General" sourceLinked="1"/>
+        <c:majorTickMark val="none"/>
+        <c:minorTickMark val="none"/>
+        <c:tickLblPos val="nextTo"/>
+        <c:spPr>
+          <a:noFill/>
+          <a:ln w="9525" cap="flat" cmpd="sng" algn="ctr">
+            <a:solidFill>
+              <a:schemeClr val="tx1">
+                <a:lumMod val="15000"/>
+                <a:lumOff val="85000"/>
+              </a:schemeClr>
+            </a:solidFill>
+            <a:round/>
+          </a:ln>
+          <a:effectLst/>
+        </c:spPr>
+        <c:txPr>
+          <a:bodyPr rot="-60000000" spcFirstLastPara="1" vertOverflow="ellipsis" vert="horz" wrap="square" anchor="ctr" anchorCtr="1"/>
+          <a:lstStyle/>
+          <a:p>
+            <a:pPr>
+              <a:defRPr sz="900" b="0" i="0" u="none" strike="noStrike" kern="1200" baseline="0">
+                <a:solidFill>
+                  <a:schemeClr val="tx1">
+                    <a:lumMod val="65000"/>
+                    <a:lumOff val="35000"/>
+                  </a:schemeClr>
+                </a:solidFill>
+                <a:latin typeface="+mn-lt"/>
+                <a:ea typeface="+mn-ea"/>
+                <a:cs typeface="+mn-cs"/>
+              </a:defRPr>
+            </a:pPr>
+            <a:endParaRPr lang="en-US"/>
+          </a:p>
+        </c:txPr>
+        <c:crossAx val="317692880"/>
+        <c:crosses val="autoZero"/>
+        <c:auto val="1"/>
+        <c:lblAlgn val="ctr"/>
+        <c:lblOffset val="100"/>
+        <c:noMultiLvlLbl val="0"/>
+      </c:catAx>
+      <c:valAx>
+        <c:axId val="317692880"/>
+        <c:scaling>
+          <c:orientation val="minMax"/>
+        </c:scaling>
+        <c:delete val="0"/>
+        <c:axPos val="l"/>
+        <c:majorGridlines>
+          <c:spPr>
+            <a:ln w="9525" cap="flat" cmpd="sng" algn="ctr">
+              <a:solidFill>
+                <a:schemeClr val="tx1">
+                  <a:lumMod val="15000"/>
+                  <a:lumOff val="85000"/>
+                </a:schemeClr>
+              </a:solidFill>
+              <a:round/>
+            </a:ln>
+            <a:effectLst/>
+          </c:spPr>
+        </c:majorGridlines>
+        <c:numFmt formatCode="General" sourceLinked="1"/>
+        <c:majorTickMark val="none"/>
+        <c:minorTickMark val="none"/>
+        <c:tickLblPos val="nextTo"/>
+        <c:spPr>
+          <a:noFill/>
+          <a:ln>
+            <a:noFill/>
+          </a:ln>
+          <a:effectLst/>
+        </c:spPr>
+        <c:txPr>
+          <a:bodyPr rot="-60000000" spcFirstLastPara="1" vertOverflow="ellipsis" vert="horz" wrap="square" anchor="ctr" anchorCtr="1"/>
+          <a:lstStyle/>
+          <a:p>
+            <a:pPr>
+              <a:defRPr sz="900" b="0" i="0" u="none" strike="noStrike" kern="1200" baseline="0">
+                <a:solidFill>
+                  <a:schemeClr val="tx1">
+                    <a:lumMod val="65000"/>
+                    <a:lumOff val="35000"/>
+                  </a:schemeClr>
+                </a:solidFill>
+                <a:latin typeface="+mn-lt"/>
+                <a:ea typeface="+mn-ea"/>
+                <a:cs typeface="+mn-cs"/>
+              </a:defRPr>
+            </a:pPr>
+            <a:endParaRPr lang="en-US"/>
+          </a:p>
+        </c:txPr>
+        <c:crossAx val="252020192"/>
+        <c:crosses val="autoZero"/>
+        <c:crossBetween val="between"/>
+      </c:valAx>
+      <c:spPr>
+        <a:noFill/>
+        <a:ln>
+          <a:noFill/>
+        </a:ln>
+        <a:effectLst/>
+      </c:spPr>
+    </c:plotArea>
+    <c:plotVisOnly val="1"/>
+    <c:dispBlanksAs val="gap"/>
+    <c:extLst>
+      <c:ext xmlns:c16r3="http://schemas.microsoft.com/office/drawing/2017/03/chart" uri="{56B9EC1D-385E-4148-901F-78D8002777C0}">
+        <c16r3:dataDisplayOptions16>
+          <c16r3:dispNaAsBlank val="1"/>
+        </c16r3:dataDisplayOptions16>
+      </c:ext>
+    </c:extLst>
+    <c:showDLblsOverMax val="0"/>
+  </c:chart>
+  <c:spPr>
+    <a:noFill/>
+    <a:ln>
+      <a:noFill/>
+    </a:ln>
+    <a:effectLst/>
+  </c:spPr>
+  <c:txPr>
+    <a:bodyPr/>
+    <a:lstStyle/>
+    <a:p>
+      <a:pPr>
+        <a:defRPr/>
+      </a:pPr>
+      <a:endParaRPr lang="en-US"/>
+    </a:p>
+  </c:txPr>
+  <c:externalData r:id="rId3">
+    <c:autoUpdate val="0"/>
+  </c:externalData>
+</c:chartSpace>
+</file>
+
+<file path=ppt/charts/chart4.xml><?xml version="1.0" encoding="utf-8"?>
+<c:chartSpace xmlns:c="http://schemas.openxmlformats.org/drawingml/2006/chart" xmlns:a="http://schemas.openxmlformats.org/drawingml/2006/main" xmlns:r="http://schemas.openxmlformats.org/officeDocument/2006/relationships" xmlns:c16r2="http://schemas.microsoft.com/office/drawing/2015/06/chart">
+  <c:date1904 val="0"/>
+  <c:lang val="en-GB"/>
+  <c:roundedCorners val="0"/>
+  <mc:AlternateContent xmlns:mc="http://schemas.openxmlformats.org/markup-compatibility/2006">
+    <mc:Choice xmlns:c14="http://schemas.microsoft.com/office/drawing/2007/8/2/chart" Requires="c14">
+      <c14:style val="102"/>
+    </mc:Choice>
+    <mc:Fallback>
+      <c:style val="2"/>
+    </mc:Fallback>
+  </mc:AlternateContent>
+  <c:chart>
+    <c:title>
+      <c:overlay val="0"/>
+      <c:spPr>
+        <a:noFill/>
+        <a:ln>
+          <a:noFill/>
+        </a:ln>
+        <a:effectLst/>
+      </c:spPr>
+      <c:txPr>
+        <a:bodyPr rot="0" spcFirstLastPara="1" vertOverflow="ellipsis" vert="horz" wrap="square" anchor="ctr" anchorCtr="1"/>
+        <a:lstStyle/>
+        <a:p>
+          <a:pPr>
+            <a:defRPr sz="1600" b="1" i="0" u="none" strike="noStrike" kern="1200" spc="100" baseline="0">
+              <a:solidFill>
+                <a:schemeClr val="lt1">
+                  <a:lumMod val="95000"/>
+                </a:schemeClr>
+              </a:solidFill>
+              <a:effectLst>
+                <a:outerShdw blurRad="50800" dist="38100" dir="5400000" algn="t" rotWithShape="0">
+                  <a:prstClr val="black">
+                    <a:alpha val="40000"/>
+                  </a:prstClr>
+                </a:outerShdw>
+              </a:effectLst>
+              <a:latin typeface="+mn-lt"/>
+              <a:ea typeface="+mn-ea"/>
+              <a:cs typeface="+mn-cs"/>
+            </a:defRPr>
+          </a:pPr>
+          <a:endParaRPr lang="en-US"/>
+        </a:p>
+      </c:txPr>
+    </c:title>
+    <c:autoTitleDeleted val="0"/>
+    <c:plotArea>
+      <c:layout/>
+      <c:doughnutChart>
+        <c:varyColors val="1"/>
+        <c:ser>
+          <c:idx val="0"/>
+          <c:order val="0"/>
+          <c:tx>
+            <c:strRef>
+              <c:f>Sheet1!$W$22</c:f>
+              <c:strCache>
+                <c:ptCount val="1"/>
+                <c:pt idx="0">
+                  <c:v>Customer volume</c:v>
+                </c:pt>
+              </c:strCache>
+            </c:strRef>
+          </c:tx>
+          <c:dPt>
+            <c:idx val="0"/>
+            <c:bubble3D val="0"/>
+            <c:spPr>
+              <a:gradFill rotWithShape="1">
+                <a:gsLst>
+                  <a:gs pos="0">
+                    <a:schemeClr val="accent6">
+                      <a:lumMod val="50000"/>
+                    </a:schemeClr>
+                  </a:gs>
+                  <a:gs pos="100000">
+                    <a:schemeClr val="accent6">
+                      <a:lumMod val="50000"/>
+                    </a:schemeClr>
+                  </a:gs>
+                  <a:gs pos="100000">
+                    <a:schemeClr val="accent1">
+                      <a:lumMod val="99000"/>
+                      <a:satMod val="120000"/>
+                      <a:shade val="78000"/>
+                    </a:schemeClr>
+                  </a:gs>
+                </a:gsLst>
+                <a:lin ang="5400000" scaled="0"/>
+              </a:gradFill>
+              <a:ln>
+                <a:noFill/>
+              </a:ln>
+              <a:effectLst>
+                <a:outerShdw blurRad="57150" dist="19050" dir="5400000" algn="ctr" rotWithShape="0">
+                  <a:srgbClr val="000000">
+                    <a:alpha val="63000"/>
+                  </a:srgbClr>
+                </a:outerShdw>
+              </a:effectLst>
+              <a:scene3d>
+                <a:camera prst="orthographicFront">
+                  <a:rot lat="0" lon="0" rev="0"/>
+                </a:camera>
+                <a:lightRig rig="threePt" dir="t">
+                  <a:rot lat="0" lon="0" rev="1200000"/>
+                </a:lightRig>
+              </a:scene3d>
+              <a:sp3d>
+                <a:bevelT w="63500" h="25400"/>
+              </a:sp3d>
+            </c:spPr>
+            <c:extLst>
+              <c:ext xmlns:c16="http://schemas.microsoft.com/office/drawing/2014/chart" uri="{C3380CC4-5D6E-409C-BE32-E72D297353CC}">
+                <c16:uniqueId val="{00000001-AF52-7C4E-8CA0-3CEF82FD4F6A}"/>
+              </c:ext>
+            </c:extLst>
+          </c:dPt>
+          <c:dPt>
+            <c:idx val="1"/>
+            <c:bubble3D val="0"/>
+            <c:spPr>
+              <a:gradFill rotWithShape="1">
+                <a:gsLst>
+                  <a:gs pos="0">
+                    <a:schemeClr val="accent5">
+                      <a:lumMod val="60000"/>
+                      <a:lumOff val="40000"/>
+                    </a:schemeClr>
+                  </a:gs>
+                  <a:gs pos="100000">
+                    <a:schemeClr val="accent2">
+                      <a:satMod val="110000"/>
+                      <a:lumMod val="100000"/>
+                      <a:shade val="100000"/>
+                    </a:schemeClr>
+                  </a:gs>
+                  <a:gs pos="100000">
+                    <a:schemeClr val="accent2">
+                      <a:lumMod val="99000"/>
+                      <a:satMod val="120000"/>
+                      <a:shade val="78000"/>
+                    </a:schemeClr>
+                  </a:gs>
+                </a:gsLst>
+                <a:lin ang="5400000" scaled="0"/>
+              </a:gradFill>
+              <a:ln>
+                <a:noFill/>
+              </a:ln>
+              <a:effectLst>
+                <a:outerShdw blurRad="57150" dist="19050" dir="5400000" algn="ctr" rotWithShape="0">
+                  <a:srgbClr val="000000">
+                    <a:alpha val="63000"/>
+                  </a:srgbClr>
+                </a:outerShdw>
+              </a:effectLst>
+              <a:scene3d>
+                <a:camera prst="orthographicFront">
+                  <a:rot lat="0" lon="0" rev="0"/>
+                </a:camera>
+                <a:lightRig rig="threePt" dir="t">
+                  <a:rot lat="0" lon="0" rev="1200000"/>
+                </a:lightRig>
+              </a:scene3d>
+              <a:sp3d>
+                <a:bevelT w="63500" h="25400"/>
+              </a:sp3d>
+            </c:spPr>
+            <c:extLst>
+              <c:ext xmlns:c16="http://schemas.microsoft.com/office/drawing/2014/chart" uri="{C3380CC4-5D6E-409C-BE32-E72D297353CC}">
+                <c16:uniqueId val="{00000003-AF52-7C4E-8CA0-3CEF82FD4F6A}"/>
+              </c:ext>
+            </c:extLst>
+          </c:dPt>
+          <c:dPt>
+            <c:idx val="2"/>
+            <c:bubble3D val="0"/>
+            <c:spPr>
+              <a:gradFill rotWithShape="1">
+                <a:gsLst>
+                  <a:gs pos="0">
+                    <a:schemeClr val="accent3">
+                      <a:satMod val="103000"/>
+                      <a:lumMod val="102000"/>
+                      <a:tint val="94000"/>
+                    </a:schemeClr>
+                  </a:gs>
+                  <a:gs pos="50000">
+                    <a:schemeClr val="accent3">
+                      <a:satMod val="110000"/>
+                      <a:lumMod val="100000"/>
+                      <a:shade val="100000"/>
+                    </a:schemeClr>
+                  </a:gs>
+                  <a:gs pos="100000">
+                    <a:schemeClr val="accent3">
+                      <a:lumMod val="99000"/>
+                      <a:satMod val="120000"/>
+                      <a:shade val="78000"/>
+                    </a:schemeClr>
+                  </a:gs>
+                </a:gsLst>
+                <a:lin ang="5400000" scaled="0"/>
+              </a:gradFill>
+              <a:ln>
+                <a:noFill/>
+              </a:ln>
+              <a:effectLst>
+                <a:outerShdw blurRad="57150" dist="19050" dir="5400000" algn="ctr" rotWithShape="0">
+                  <a:srgbClr val="000000">
+                    <a:alpha val="63000"/>
+                  </a:srgbClr>
+                </a:outerShdw>
+              </a:effectLst>
+              <a:scene3d>
+                <a:camera prst="orthographicFront">
+                  <a:rot lat="0" lon="0" rev="0"/>
+                </a:camera>
+                <a:lightRig rig="threePt" dir="t">
+                  <a:rot lat="0" lon="0" rev="1200000"/>
+                </a:lightRig>
+              </a:scene3d>
+              <a:sp3d>
+                <a:bevelT w="63500" h="25400"/>
+              </a:sp3d>
+            </c:spPr>
+            <c:extLst>
+              <c:ext xmlns:c16="http://schemas.microsoft.com/office/drawing/2014/chart" uri="{C3380CC4-5D6E-409C-BE32-E72D297353CC}">
+                <c16:uniqueId val="{00000005-AF52-7C4E-8CA0-3CEF82FD4F6A}"/>
+              </c:ext>
+            </c:extLst>
+          </c:dPt>
+          <c:dPt>
+            <c:idx val="3"/>
+            <c:bubble3D val="0"/>
+            <c:spPr>
+              <a:gradFill rotWithShape="1">
+                <a:gsLst>
+                  <a:gs pos="0">
+                    <a:schemeClr val="accent4">
+                      <a:satMod val="103000"/>
+                      <a:lumMod val="102000"/>
+                      <a:tint val="94000"/>
+                    </a:schemeClr>
+                  </a:gs>
+                  <a:gs pos="50000">
+                    <a:schemeClr val="accent4">
+                      <a:satMod val="110000"/>
+                      <a:lumMod val="100000"/>
+                      <a:shade val="100000"/>
+                    </a:schemeClr>
+                  </a:gs>
+                  <a:gs pos="100000">
+                    <a:schemeClr val="accent4">
+                      <a:lumMod val="99000"/>
+                      <a:satMod val="120000"/>
+                      <a:shade val="78000"/>
+                    </a:schemeClr>
+                  </a:gs>
+                </a:gsLst>
+                <a:lin ang="5400000" scaled="0"/>
+              </a:gradFill>
+              <a:ln>
+                <a:noFill/>
+              </a:ln>
+              <a:effectLst>
+                <a:outerShdw blurRad="57150" dist="19050" dir="5400000" algn="ctr" rotWithShape="0">
+                  <a:srgbClr val="000000">
+                    <a:alpha val="63000"/>
+                  </a:srgbClr>
+                </a:outerShdw>
+              </a:effectLst>
+              <a:scene3d>
+                <a:camera prst="orthographicFront">
+                  <a:rot lat="0" lon="0" rev="0"/>
+                </a:camera>
+                <a:lightRig rig="threePt" dir="t">
+                  <a:rot lat="0" lon="0" rev="1200000"/>
+                </a:lightRig>
+              </a:scene3d>
+              <a:sp3d>
+                <a:bevelT w="63500" h="25400"/>
+              </a:sp3d>
+            </c:spPr>
+            <c:extLst>
+              <c:ext xmlns:c16="http://schemas.microsoft.com/office/drawing/2014/chart" uri="{C3380CC4-5D6E-409C-BE32-E72D297353CC}">
+                <c16:uniqueId val="{00000007-AF52-7C4E-8CA0-3CEF82FD4F6A}"/>
+              </c:ext>
+            </c:extLst>
+          </c:dPt>
+          <c:dLbls>
+            <c:spPr>
+              <a:noFill/>
+              <a:ln>
+                <a:noFill/>
+              </a:ln>
+              <a:effectLst/>
+            </c:spPr>
+            <c:txPr>
+              <a:bodyPr rot="0" spcFirstLastPara="1" vertOverflow="ellipsis" vert="horz" wrap="square" lIns="38100" tIns="19050" rIns="38100" bIns="19050" anchor="ctr" anchorCtr="1">
+                <a:spAutoFit/>
+              </a:bodyPr>
+              <a:lstStyle/>
+              <a:p>
+                <a:pPr>
+                  <a:defRPr sz="900" b="0" i="0" u="none" strike="noStrike" kern="1200" baseline="0">
+                    <a:solidFill>
+                      <a:schemeClr val="lt1">
+                        <a:lumMod val="85000"/>
+                      </a:schemeClr>
+                    </a:solidFill>
+                    <a:latin typeface="+mn-lt"/>
+                    <a:ea typeface="+mn-ea"/>
+                    <a:cs typeface="+mn-cs"/>
+                  </a:defRPr>
+                </a:pPr>
+                <a:endParaRPr lang="en-US"/>
+              </a:p>
+            </c:txPr>
+            <c:showLegendKey val="0"/>
+            <c:showVal val="1"/>
+            <c:showCatName val="0"/>
+            <c:showSerName val="0"/>
+            <c:showPercent val="0"/>
+            <c:showBubbleSize val="0"/>
+            <c:showLeaderLines val="1"/>
+            <c:leaderLines>
+              <c:spPr>
+                <a:ln w="9525">
+                  <a:solidFill>
+                    <a:schemeClr val="lt1">
+                      <a:lumMod val="95000"/>
+                      <a:alpha val="54000"/>
+                    </a:schemeClr>
+                  </a:solidFill>
+                </a:ln>
+                <a:effectLst/>
+              </c:spPr>
+            </c:leaderLines>
+            <c:extLst>
+              <c:ext xmlns:c15="http://schemas.microsoft.com/office/drawing/2012/chart" uri="{CE6537A1-D6FC-4f65-9D91-7224C49458BB}"/>
+            </c:extLst>
+          </c:dLbls>
+          <c:cat>
+            <c:strRef>
+              <c:f>Sheet1!$V$23:$V$26</c:f>
+              <c:strCache>
+                <c:ptCount val="4"/>
+                <c:pt idx="0">
+                  <c:v>Offer live chat support</c:v>
+                </c:pt>
+                <c:pt idx="1">
+                  <c:v>Share more step-by-step guides and tutorials</c:v>
+                </c:pt>
+                <c:pt idx="2">
+                  <c:v>Extend support hours</c:v>
+                </c:pt>
+                <c:pt idx="3">
+                  <c:v>Other</c:v>
+                </c:pt>
+              </c:strCache>
+            </c:strRef>
+          </c:cat>
+          <c:val>
+            <c:numRef>
+              <c:f>Sheet1!$W$23:$W$26</c:f>
+              <c:numCache>
+                <c:formatCode>0%</c:formatCode>
+                <c:ptCount val="4"/>
+                <c:pt idx="0">
+                  <c:v>0.41</c:v>
+                </c:pt>
+                <c:pt idx="1">
+                  <c:v>0.3</c:v>
+                </c:pt>
+                <c:pt idx="2">
+                  <c:v>0.19</c:v>
+                </c:pt>
+                <c:pt idx="3">
+                  <c:v>0.1</c:v>
+                </c:pt>
+              </c:numCache>
+            </c:numRef>
+          </c:val>
+          <c:extLst>
+            <c:ext xmlns:c16="http://schemas.microsoft.com/office/drawing/2014/chart" uri="{C3380CC4-5D6E-409C-BE32-E72D297353CC}">
+              <c16:uniqueId val="{00000008-AF52-7C4E-8CA0-3CEF82FD4F6A}"/>
+            </c:ext>
+          </c:extLst>
+        </c:ser>
+        <c:dLbls>
+          <c:showLegendKey val="0"/>
+          <c:showVal val="0"/>
+          <c:showCatName val="0"/>
+          <c:showSerName val="0"/>
+          <c:showPercent val="0"/>
+          <c:showBubbleSize val="0"/>
+          <c:showLeaderLines val="1"/>
+        </c:dLbls>
+        <c:firstSliceAng val="0"/>
+        <c:holeSize val="75"/>
+      </c:doughnutChart>
+      <c:spPr>
+        <a:noFill/>
+        <a:ln>
+          <a:noFill/>
+        </a:ln>
+        <a:effectLst/>
+      </c:spPr>
+    </c:plotArea>
+    <c:legend>
+      <c:legendPos val="b"/>
+      <c:layout>
+        <c:manualLayout>
+          <c:xMode val="edge"/>
+          <c:yMode val="edge"/>
+          <c:x val="6.410051589282742E-2"/>
+          <c:y val="0.76264345283191293"/>
+          <c:w val="0.93285553151753864"/>
+          <c:h val="0.1138094999454636"/>
+        </c:manualLayout>
+      </c:layout>
+      <c:overlay val="0"/>
+      <c:spPr>
+        <a:noFill/>
+        <a:ln>
+          <a:noFill/>
+        </a:ln>
+        <a:effectLst/>
+      </c:spPr>
+      <c:txPr>
+        <a:bodyPr rot="0" spcFirstLastPara="1" vertOverflow="ellipsis" vert="horz" wrap="square" anchor="ctr" anchorCtr="1"/>
+        <a:lstStyle/>
+        <a:p>
+          <a:pPr>
+            <a:defRPr sz="900" b="0" i="0" u="none" strike="noStrike" kern="1200" baseline="0">
+              <a:solidFill>
+                <a:schemeClr val="lt1">
+                  <a:lumMod val="85000"/>
+                </a:schemeClr>
+              </a:solidFill>
+              <a:latin typeface="+mn-lt"/>
+              <a:ea typeface="+mn-ea"/>
+              <a:cs typeface="+mn-cs"/>
+            </a:defRPr>
+          </a:pPr>
+          <a:endParaRPr lang="en-US"/>
+        </a:p>
+      </c:txPr>
+    </c:legend>
+    <c:plotVisOnly val="1"/>
+    <c:dispBlanksAs val="gap"/>
+    <c:extLst>
+      <c:ext xmlns:c16r3="http://schemas.microsoft.com/office/drawing/2017/03/chart" uri="{56B9EC1D-385E-4148-901F-78D8002777C0}">
+        <c16r3:dataDisplayOptions16>
+          <c16r3:dispNaAsBlank val="1"/>
+        </c16r3:dataDisplayOptions16>
+      </c:ext>
+    </c:extLst>
+    <c:showDLblsOverMax val="0"/>
+  </c:chart>
+  <c:spPr>
+    <a:gradFill flip="none" rotWithShape="1">
+      <a:gsLst>
+        <a:gs pos="0">
+          <a:schemeClr val="dk1">
+            <a:lumMod val="65000"/>
+            <a:lumOff val="35000"/>
+          </a:schemeClr>
+        </a:gs>
+        <a:gs pos="100000">
+          <a:schemeClr val="dk1">
+            <a:lumMod val="85000"/>
+            <a:lumOff val="15000"/>
+          </a:schemeClr>
+        </a:gs>
+      </a:gsLst>
+      <a:path path="circle">
+        <a:fillToRect l="50000" t="50000" r="50000" b="50000"/>
+      </a:path>
+      <a:tileRect/>
+    </a:gradFill>
+    <a:ln>
+      <a:noFill/>
+    </a:ln>
+    <a:effectLst/>
+  </c:spPr>
+  <c:txPr>
+    <a:bodyPr/>
+    <a:lstStyle/>
+    <a:p>
+      <a:pPr>
+        <a:defRPr/>
+      </a:pPr>
+      <a:endParaRPr lang="en-US"/>
+    </a:p>
+  </c:txPr>
+  <c:externalData r:id="rId3">
+    <c:autoUpdate val="0"/>
+  </c:externalData>
+</c:chartSpace>
+</file>
+
+<file path=ppt/charts/colors1.xml><?xml version="1.0" encoding="utf-8"?>
+<cs:colorStyle xmlns:cs="http://schemas.microsoft.com/office/drawing/2012/chartStyle" xmlns:a="http://schemas.openxmlformats.org/drawingml/2006/main" meth="cycle" id="10">
+  <a:schemeClr val="accent1"/>
+  <a:schemeClr val="accent2"/>
+  <a:schemeClr val="accent3"/>
+  <a:schemeClr val="accent4"/>
+  <a:schemeClr val="accent5"/>
+  <a:schemeClr val="accent6"/>
+  <cs:variation/>
+  <cs:variation>
+    <a:lumMod val="60000"/>
+  </cs:variation>
+  <cs:variation>
+    <a:lumMod val="80000"/>
+    <a:lumOff val="20000"/>
+  </cs:variation>
+  <cs:variation>
+    <a:lumMod val="80000"/>
+  </cs:variation>
+  <cs:variation>
+    <a:lumMod val="60000"/>
+    <a:lumOff val="40000"/>
+  </cs:variation>
+  <cs:variation>
+    <a:lumMod val="50000"/>
+  </cs:variation>
+  <cs:variation>
+    <a:lumMod val="70000"/>
+    <a:lumOff val="30000"/>
+  </cs:variation>
+  <cs:variation>
+    <a:lumMod val="70000"/>
+  </cs:variation>
+  <cs:variation>
+    <a:lumMod val="50000"/>
+    <a:lumOff val="50000"/>
+  </cs:variation>
+</cs:colorStyle>
+</file>
+
+<file path=ppt/charts/colors2.xml><?xml version="1.0" encoding="utf-8"?>
+<cs:colorStyle xmlns:cs="http://schemas.microsoft.com/office/drawing/2012/chartStyle" xmlns:a="http://schemas.openxmlformats.org/drawingml/2006/main" meth="cycle" id="10">
+  <a:schemeClr val="accent1"/>
+  <a:schemeClr val="accent2"/>
+  <a:schemeClr val="accent3"/>
+  <a:schemeClr val="accent4"/>
+  <a:schemeClr val="accent5"/>
+  <a:schemeClr val="accent6"/>
+  <cs:variation/>
+  <cs:variation>
+    <a:lumMod val="60000"/>
+  </cs:variation>
+  <cs:variation>
+    <a:lumMod val="80000"/>
+    <a:lumOff val="20000"/>
+  </cs:variation>
+  <cs:variation>
+    <a:lumMod val="80000"/>
+  </cs:variation>
+  <cs:variation>
+    <a:lumMod val="60000"/>
+    <a:lumOff val="40000"/>
+  </cs:variation>
+  <cs:variation>
+    <a:lumMod val="50000"/>
+  </cs:variation>
+  <cs:variation>
+    <a:lumMod val="70000"/>
+    <a:lumOff val="30000"/>
+  </cs:variation>
+  <cs:variation>
+    <a:lumMod val="70000"/>
+  </cs:variation>
+  <cs:variation>
+    <a:lumMod val="50000"/>
+    <a:lumOff val="50000"/>
+  </cs:variation>
+</cs:colorStyle>
+</file>
+
+<file path=ppt/charts/colors3.xml><?xml version="1.0" encoding="utf-8"?>
+<cs:colorStyle xmlns:cs="http://schemas.microsoft.com/office/drawing/2012/chartStyle" xmlns:a="http://schemas.openxmlformats.org/drawingml/2006/main" meth="cycle" id="10">
+  <a:schemeClr val="accent1"/>
+  <a:schemeClr val="accent2"/>
+  <a:schemeClr val="accent3"/>
+  <a:schemeClr val="accent4"/>
+  <a:schemeClr val="accent5"/>
+  <a:schemeClr val="accent6"/>
+  <cs:variation/>
+  <cs:variation>
+    <a:lumMod val="60000"/>
+  </cs:variation>
+  <cs:variation>
+    <a:lumMod val="80000"/>
+    <a:lumOff val="20000"/>
+  </cs:variation>
+  <cs:variation>
+    <a:lumMod val="80000"/>
+  </cs:variation>
+  <cs:variation>
+    <a:lumMod val="60000"/>
+    <a:lumOff val="40000"/>
+  </cs:variation>
+  <cs:variation>
+    <a:lumMod val="50000"/>
+  </cs:variation>
+  <cs:variation>
+    <a:lumMod val="70000"/>
+    <a:lumOff val="30000"/>
+  </cs:variation>
+  <cs:variation>
+    <a:lumMod val="70000"/>
+  </cs:variation>
+  <cs:variation>
+    <a:lumMod val="50000"/>
+    <a:lumOff val="50000"/>
+  </cs:variation>
+</cs:colorStyle>
+</file>
+
+<file path=ppt/charts/colors4.xml><?xml version="1.0" encoding="utf-8"?>
+<cs:colorStyle xmlns:cs="http://schemas.microsoft.com/office/drawing/2012/chartStyle" xmlns:a="http://schemas.openxmlformats.org/drawingml/2006/main" meth="cycle" id="10">
+  <a:schemeClr val="accent1"/>
+  <a:schemeClr val="accent2"/>
+  <a:schemeClr val="accent3"/>
+  <a:schemeClr val="accent4"/>
+  <a:schemeClr val="accent5"/>
+  <a:schemeClr val="accent6"/>
+  <cs:variation/>
+  <cs:variation>
+    <a:lumMod val="60000"/>
+  </cs:variation>
+  <cs:variation>
+    <a:lumMod val="80000"/>
+    <a:lumOff val="20000"/>
+  </cs:variation>
+  <cs:variation>
+    <a:lumMod val="80000"/>
+  </cs:variation>
+  <cs:variation>
+    <a:lumMod val="60000"/>
+    <a:lumOff val="40000"/>
+  </cs:variation>
+  <cs:variation>
+    <a:lumMod val="50000"/>
+  </cs:variation>
+  <cs:variation>
+    <a:lumMod val="70000"/>
+    <a:lumOff val="30000"/>
+  </cs:variation>
+  <cs:variation>
+    <a:lumMod val="70000"/>
+  </cs:variation>
+  <cs:variation>
+    <a:lumMod val="50000"/>
+    <a:lumOff val="50000"/>
+  </cs:variation>
+</cs:colorStyle>
+</file>
+
+<file path=ppt/charts/style1.xml><?xml version="1.0" encoding="utf-8"?>
+<cs:chartStyle xmlns:cs="http://schemas.microsoft.com/office/drawing/2012/chartStyle" xmlns:a="http://schemas.openxmlformats.org/drawingml/2006/main" id="205">
+  <cs:axisTitle>
+    <cs:lnRef idx="0"/>
+    <cs:fillRef idx="0"/>
+    <cs:effectRef idx="0"/>
+    <cs:fontRef idx="minor">
+      <a:schemeClr val="dk1">
+        <a:lumMod val="75000"/>
+        <a:lumOff val="25000"/>
+      </a:schemeClr>
+    </cs:fontRef>
+    <cs:defRPr sz="900" b="1" kern="1200"/>
+  </cs:axisTitle>
+  <cs:categoryAxis>
+    <cs:lnRef idx="0"/>
+    <cs:fillRef idx="0"/>
+    <cs:effectRef idx="0"/>
+    <cs:fontRef idx="minor">
+      <a:schemeClr val="dk1">
+        <a:lumMod val="75000"/>
+        <a:lumOff val="25000"/>
+      </a:schemeClr>
+    </cs:fontRef>
+    <cs:spPr>
+      <a:ln w="19050" cap="flat" cmpd="sng" algn="ctr">
+        <a:solidFill>
+          <a:schemeClr val="dk1">
+            <a:lumMod val="75000"/>
+            <a:lumOff val="25000"/>
+          </a:schemeClr>
+        </a:solidFill>
+        <a:round/>
+      </a:ln>
+    </cs:spPr>
+    <cs:defRPr sz="900" kern="1200" cap="all" baseline="0"/>
+  </cs:categoryAxis>
+  <cs:chartArea>
+    <cs:lnRef idx="0"/>
+    <cs:fillRef idx="0"/>
+    <cs:effectRef idx="0"/>
+    <cs:fontRef idx="minor">
+      <a:schemeClr val="dk1"/>
+    </cs:fontRef>
+    <cs:spPr>
+      <a:gradFill flip="none" rotWithShape="1">
+        <a:gsLst>
+          <a:gs pos="0">
+            <a:schemeClr val="lt1"/>
+          </a:gs>
+          <a:gs pos="39000">
+            <a:schemeClr val="lt1"/>
+          </a:gs>
+          <a:gs pos="100000">
+            <a:schemeClr val="lt1">
+              <a:lumMod val="75000"/>
+            </a:schemeClr>
+          </a:gs>
+        </a:gsLst>
+        <a:path path="circle">
+          <a:fillToRect l="50000" t="-80000" r="50000" b="180000"/>
+        </a:path>
+        <a:tileRect/>
+      </a:gradFill>
+      <a:ln w="9525" cap="flat" cmpd="sng" algn="ctr">
+        <a:solidFill>
+          <a:schemeClr val="dk1">
+            <a:lumMod val="25000"/>
+            <a:lumOff val="75000"/>
+          </a:schemeClr>
+        </a:solidFill>
+        <a:round/>
+      </a:ln>
+    </cs:spPr>
+    <cs:defRPr sz="900" kern="1200"/>
+  </cs:chartArea>
+  <cs:dataLabel>
+    <cs:lnRef idx="0"/>
+    <cs:fillRef idx="0"/>
+    <cs:effectRef idx="0"/>
+    <cs:fontRef idx="minor">
+      <a:schemeClr val="lt1"/>
+    </cs:fontRef>
+    <cs:defRPr sz="900" b="1" i="0" u="none" strike="noStrike" kern="1200" baseline="0"/>
+  </cs:dataLabel>
+  <cs:dataLabelCallout>
+    <cs:lnRef idx="0"/>
+    <cs:fillRef idx="0"/>
+    <cs:effectRef idx="0"/>
+    <cs:fontRef idx="minor">
+      <a:schemeClr val="lt1"/>
+    </cs:fontRef>
+    <cs:spPr>
+      <a:solidFill>
+        <a:schemeClr val="dk1">
+          <a:lumMod val="65000"/>
+          <a:lumOff val="35000"/>
+          <a:alpha val="75000"/>
+        </a:schemeClr>
+      </a:solidFill>
+    </cs:spPr>
+    <cs:defRPr sz="900" b="1" kern="1200"/>
+    <cs:bodyPr rot="0" spcFirstLastPara="1" vertOverflow="clip" horzOverflow="clip" vert="horz" wrap="square" lIns="36576" tIns="18288" rIns="36576" bIns="18288" anchor="ctr" anchorCtr="1">
+      <a:spAutoFit/>
+    </cs:bodyPr>
+  </cs:dataLabelCallout>
+  <cs:dataPoint>
+    <cs:lnRef idx="0"/>
+    <cs:fillRef idx="0">
+      <cs:styleClr val="auto"/>
+    </cs:fillRef>
+    <cs:effectRef idx="0"/>
+    <cs:fontRef idx="minor">
+      <a:schemeClr val="dk1"/>
+    </cs:fontRef>
+    <cs:spPr>
+      <a:solidFill>
+        <a:schemeClr val="phClr">
+          <a:alpha val="85000"/>
+        </a:schemeClr>
+      </a:solidFill>
+      <a:ln w="9525" cap="flat" cmpd="sng" algn="ctr">
+        <a:solidFill>
+          <a:schemeClr val="lt1">
+            <a:alpha val="50000"/>
+          </a:schemeClr>
+        </a:solidFill>
+        <a:round/>
+      </a:ln>
+    </cs:spPr>
+  </cs:dataPoint>
+  <cs:dataPoint3D>
+    <cs:lnRef idx="0"/>
+    <cs:fillRef idx="0">
+      <cs:styleClr val="auto"/>
+    </cs:fillRef>
+    <cs:effectRef idx="0"/>
+    <cs:fontRef idx="minor">
+      <a:schemeClr val="dk1"/>
+    </cs:fontRef>
+    <cs:spPr>
+      <a:solidFill>
+        <a:schemeClr val="phClr">
+          <a:alpha val="85000"/>
+        </a:schemeClr>
+      </a:solidFill>
+      <a:ln w="9525" cap="flat" cmpd="sng" algn="ctr">
+        <a:solidFill>
+          <a:schemeClr val="lt1">
+            <a:alpha val="50000"/>
+          </a:schemeClr>
+        </a:solidFill>
+        <a:round/>
+      </a:ln>
+    </cs:spPr>
+  </cs:dataPoint3D>
+  <cs:dataPointLine>
+    <cs:lnRef idx="0">
+      <cs:styleClr val="auto"/>
+    </cs:lnRef>
+    <cs:fillRef idx="0"/>
+    <cs:effectRef idx="0"/>
+    <cs:fontRef idx="minor">
+      <a:schemeClr val="dk1"/>
+    </cs:fontRef>
+    <cs:spPr>
+      <a:ln w="31750" cap="rnd">
+        <a:solidFill>
+          <a:schemeClr val="phClr">
+            <a:alpha val="85000"/>
+          </a:schemeClr>
+        </a:solidFill>
+        <a:round/>
+      </a:ln>
+    </cs:spPr>
+  </cs:dataPointLine>
+  <cs:dataPointMarker>
+    <cs:lnRef idx="0"/>
+    <cs:fillRef idx="0">
+      <cs:styleClr val="auto"/>
+    </cs:fillRef>
+    <cs:effectRef idx="0"/>
+    <cs:fontRef idx="minor">
+      <a:schemeClr val="dk1"/>
+    </cs:fontRef>
+    <cs:spPr>
+      <a:solidFill>
+        <a:schemeClr val="phClr">
+          <a:alpha val="85000"/>
+        </a:schemeClr>
+      </a:solidFill>
+    </cs:spPr>
+  </cs:dataPointMarker>
+  <cs:dataPointMarkerLayout symbol="circle" size="6"/>
+  <cs:dataPointWireframe>
+    <cs:lnRef idx="0">
+      <cs:styleClr val="auto"/>
+    </cs:lnRef>
+    <cs:fillRef idx="0"/>
+    <cs:effectRef idx="0"/>
+    <cs:fontRef idx="minor">
+      <a:schemeClr val="dk1"/>
+    </cs:fontRef>
+    <cs:spPr>
+      <a:ln w="9525" cap="rnd">
+        <a:solidFill>
+          <a:schemeClr val="phClr"/>
+        </a:solidFill>
+        <a:round/>
+      </a:ln>
+    </cs:spPr>
+  </cs:dataPointWireframe>
+  <cs:dataTable>
+    <cs:lnRef idx="0"/>
+    <cs:fillRef idx="0"/>
+    <cs:effectRef idx="0"/>
+    <cs:fontRef idx="minor">
+      <a:schemeClr val="dk1">
+        <a:lumMod val="75000"/>
+        <a:lumOff val="25000"/>
+      </a:schemeClr>
+    </cs:fontRef>
+    <cs:spPr>
+      <a:ln w="9525">
+        <a:solidFill>
+          <a:schemeClr val="dk1">
+            <a:lumMod val="35000"/>
+            <a:lumOff val="65000"/>
+          </a:schemeClr>
+        </a:solidFill>
+      </a:ln>
+    </cs:spPr>
+    <cs:defRPr sz="900" kern="1200"/>
+  </cs:dataTable>
+  <cs:downBar>
+    <cs:lnRef idx="0"/>
+    <cs:fillRef idx="0"/>
+    <cs:effectRef idx="0"/>
+    <cs:fontRef idx="minor">
+      <a:schemeClr val="dk1"/>
+    </cs:fontRef>
+    <cs:spPr>
+      <a:solidFill>
+        <a:schemeClr val="dk1">
+          <a:lumMod val="50000"/>
+          <a:lumOff val="50000"/>
+        </a:schemeClr>
+      </a:solidFill>
+      <a:ln w="9525">
+        <a:solidFill>
+          <a:schemeClr val="dk1">
+            <a:lumMod val="65000"/>
+            <a:lumOff val="35000"/>
+          </a:schemeClr>
+        </a:solidFill>
+      </a:ln>
+    </cs:spPr>
+  </cs:downBar>
+  <cs:dropLine>
+    <cs:lnRef idx="0"/>
+    <cs:fillRef idx="0"/>
+    <cs:effectRef idx="0"/>
+    <cs:fontRef idx="minor">
+      <a:schemeClr val="dk1"/>
+    </cs:fontRef>
+    <cs:spPr>
+      <a:ln w="9525">
+        <a:solidFill>
+          <a:schemeClr val="dk1">
+            <a:lumMod val="35000"/>
+            <a:lumOff val="65000"/>
+          </a:schemeClr>
+        </a:solidFill>
+        <a:prstDash val="dash"/>
+      </a:ln>
+    </cs:spPr>
+  </cs:dropLine>
+  <cs:errorBar>
+    <cs:lnRef idx="0"/>
+    <cs:fillRef idx="0"/>
+    <cs:effectRef idx="0"/>
+    <cs:fontRef idx="minor">
+      <a:schemeClr val="dk1"/>
+    </cs:fontRef>
+    <cs:spPr>
+      <a:ln w="9525">
+        <a:solidFill>
+          <a:schemeClr val="dk1">
+            <a:lumMod val="65000"/>
+            <a:lumOff val="35000"/>
+          </a:schemeClr>
+        </a:solidFill>
+        <a:round/>
+      </a:ln>
+    </cs:spPr>
+  </cs:errorBar>
+  <cs:floor>
+    <cs:lnRef idx="0"/>
+    <cs:fillRef idx="0"/>
+    <cs:effectRef idx="0"/>
+    <cs:fontRef idx="minor">
+      <a:schemeClr val="dk1"/>
+    </cs:fontRef>
+  </cs:floor>
+  <cs:gridlineMajor>
+    <cs:lnRef idx="0"/>
+    <cs:fillRef idx="0"/>
+    <cs:effectRef idx="0"/>
+    <cs:fontRef idx="minor">
+      <a:schemeClr val="dk1"/>
+    </cs:fontRef>
+    <cs:spPr>
+      <a:ln w="9525" cap="flat" cmpd="sng" algn="ctr">
+        <a:gradFill>
+          <a:gsLst>
+            <a:gs pos="100000">
+              <a:schemeClr val="dk1">
+                <a:lumMod val="95000"/>
+                <a:lumOff val="5000"/>
+                <a:alpha val="42000"/>
+              </a:schemeClr>
+            </a:gs>
+            <a:gs pos="0">
+              <a:schemeClr val="lt1">
+                <a:lumMod val="75000"/>
+                <a:alpha val="36000"/>
+              </a:schemeClr>
+            </a:gs>
+          </a:gsLst>
+          <a:lin ang="5400000" scaled="0"/>
+        </a:gradFill>
+        <a:round/>
+      </a:ln>
+    </cs:spPr>
+  </cs:gridlineMajor>
+  <cs:gridlineMinor>
+    <cs:lnRef idx="0"/>
+    <cs:fillRef idx="0"/>
+    <cs:effectRef idx="0"/>
+    <cs:fontRef idx="minor">
+      <a:schemeClr val="dk1"/>
+    </cs:fontRef>
+    <cs:spPr>
+      <a:ln>
+        <a:gradFill>
+          <a:gsLst>
+            <a:gs pos="100000">
+              <a:schemeClr val="dk1">
+                <a:lumMod val="95000"/>
+                <a:lumOff val="5000"/>
+                <a:alpha val="42000"/>
+              </a:schemeClr>
+            </a:gs>
+            <a:gs pos="0">
+              <a:schemeClr val="lt1">
+                <a:lumMod val="75000"/>
+                <a:alpha val="36000"/>
+              </a:schemeClr>
+            </a:gs>
+          </a:gsLst>
+          <a:lin ang="5400000" scaled="0"/>
+        </a:gradFill>
+      </a:ln>
+    </cs:spPr>
+  </cs:gridlineMinor>
+  <cs:hiLoLine>
+    <cs:lnRef idx="0"/>
+    <cs:fillRef idx="0"/>
+    <cs:effectRef idx="0"/>
+    <cs:fontRef idx="minor">
+      <a:schemeClr val="dk1"/>
+    </cs:fontRef>
+    <cs:spPr>
+      <a:ln w="9525">
+        <a:solidFill>
+          <a:schemeClr val="dk1">
+            <a:lumMod val="35000"/>
+            <a:lumOff val="65000"/>
+          </a:schemeClr>
+        </a:solidFill>
+        <a:prstDash val="dash"/>
+      </a:ln>
+    </cs:spPr>
+  </cs:hiLoLine>
+  <cs:leaderLine>
+    <cs:lnRef idx="0"/>
+    <cs:fillRef idx="0"/>
+    <cs:effectRef idx="0"/>
+    <cs:fontRef idx="minor">
+      <a:schemeClr val="dk1"/>
+    </cs:fontRef>
+    <cs:spPr>
+      <a:ln w="9525">
+        <a:solidFill>
+          <a:schemeClr val="dk1">
+            <a:lumMod val="50000"/>
+            <a:lumOff val="50000"/>
+          </a:schemeClr>
+        </a:solidFill>
+      </a:ln>
+    </cs:spPr>
+  </cs:leaderLine>
+  <cs:legend>
+    <cs:lnRef idx="0"/>
+    <cs:fillRef idx="0"/>
+    <cs:effectRef idx="0"/>
+    <cs:fontRef idx="minor">
+      <a:schemeClr val="dk1">
+        <a:lumMod val="75000"/>
+        <a:lumOff val="25000"/>
+      </a:schemeClr>
+    </cs:fontRef>
+    <cs:spPr>
+      <a:solidFill>
+        <a:schemeClr val="lt1">
+          <a:lumMod val="95000"/>
+          <a:alpha val="39000"/>
+        </a:schemeClr>
+      </a:solidFill>
+    </cs:spPr>
+    <cs:defRPr sz="900" kern="1200"/>
+  </cs:legend>
+  <cs:plotArea>
+    <cs:lnRef idx="0"/>
+    <cs:fillRef idx="0"/>
+    <cs:effectRef idx="0"/>
+    <cs:fontRef idx="minor">
+      <a:schemeClr val="dk1"/>
+    </cs:fontRef>
+  </cs:plotArea>
+  <cs:plotArea3D>
+    <cs:lnRef idx="0"/>
+    <cs:fillRef idx="0"/>
+    <cs:effectRef idx="0"/>
+    <cs:fontRef idx="minor">
+      <a:schemeClr val="dk1"/>
+    </cs:fontRef>
+  </cs:plotArea3D>
+  <cs:seriesAxis>
+    <cs:lnRef idx="0"/>
+    <cs:fillRef idx="0"/>
+    <cs:effectRef idx="0"/>
+    <cs:fontRef idx="minor">
+      <a:schemeClr val="dk1">
+        <a:lumMod val="75000"/>
+        <a:lumOff val="25000"/>
+      </a:schemeClr>
+    </cs:fontRef>
+    <cs:spPr>
+      <a:ln w="31750" cap="flat" cmpd="sng" algn="ctr">
+        <a:solidFill>
+          <a:schemeClr val="dk1">
+            <a:lumMod val="75000"/>
+            <a:lumOff val="25000"/>
+          </a:schemeClr>
+        </a:solidFill>
+        <a:round/>
+      </a:ln>
+    </cs:spPr>
+    <cs:defRPr sz="900" kern="1200"/>
+  </cs:seriesAxis>
+  <cs:seriesLine>
+    <cs:lnRef idx="0"/>
+    <cs:fillRef idx="0"/>
+    <cs:effectRef idx="0"/>
+    <cs:fontRef idx="minor">
+      <a:schemeClr val="dk1"/>
+    </cs:fontRef>
+    <cs:spPr>
+      <a:ln w="9525">
+        <a:solidFill>
+          <a:schemeClr val="dk1">
+            <a:lumMod val="50000"/>
+            <a:lumOff val="50000"/>
+          </a:schemeClr>
+        </a:solidFill>
+        <a:round/>
+      </a:ln>
+    </cs:spPr>
+  </cs:seriesLine>
+  <cs:title>
+    <cs:lnRef idx="0"/>
+    <cs:fillRef idx="0"/>
+    <cs:effectRef idx="0"/>
+    <cs:fontRef idx="minor">
+      <a:schemeClr val="dk1">
+        <a:lumMod val="75000"/>
+        <a:lumOff val="25000"/>
+      </a:schemeClr>
+    </cs:fontRef>
+    <cs:defRPr sz="1800" b="1" kern="1200" baseline="0"/>
+  </cs:title>
+  <cs:trendline>
+    <cs:lnRef idx="0">
+      <cs:styleClr val="auto"/>
+    </cs:lnRef>
+    <cs:fillRef idx="0"/>
+    <cs:effectRef idx="0"/>
+    <cs:fontRef idx="minor">
+      <a:schemeClr val="dk1"/>
+    </cs:fontRef>
+    <cs:spPr>
+      <a:ln w="19050" cap="rnd">
+        <a:solidFill>
+          <a:schemeClr val="phClr"/>
+        </a:solidFill>
+      </a:ln>
+    </cs:spPr>
+  </cs:trendline>
+  <cs:trendlineLabel>
+    <cs:lnRef idx="0"/>
+    <cs:fillRef idx="0"/>
+    <cs:effectRef idx="0"/>
+    <cs:fontRef idx="minor">
+      <a:schemeClr val="dk1">
+        <a:lumMod val="75000"/>
+        <a:lumOff val="25000"/>
+      </a:schemeClr>
+    </cs:fontRef>
+    <cs:defRPr sz="900" kern="1200"/>
+  </cs:trendlineLabel>
+  <cs:upBar>
+    <cs:lnRef idx="0"/>
+    <cs:fillRef idx="0"/>
+    <cs:effectRef idx="0"/>
+    <cs:fontRef idx="minor">
+      <a:schemeClr val="dk1"/>
+    </cs:fontRef>
+    <cs:spPr>
+      <a:solidFill>
+        <a:schemeClr val="lt1"/>
+      </a:solidFill>
+      <a:ln w="9525">
+        <a:solidFill>
+          <a:schemeClr val="dk1">
+            <a:lumMod val="65000"/>
+            <a:lumOff val="35000"/>
+          </a:schemeClr>
+        </a:solidFill>
+      </a:ln>
+    </cs:spPr>
+  </cs:upBar>
+  <cs:valueAxis>
+    <cs:lnRef idx="0"/>
+    <cs:fillRef idx="0"/>
+    <cs:effectRef idx="0"/>
+    <cs:fontRef idx="minor">
+      <a:schemeClr val="dk1">
+        <a:lumMod val="75000"/>
+        <a:lumOff val="25000"/>
+      </a:schemeClr>
+    </cs:fontRef>
+    <cs:spPr>
+      <a:ln>
+        <a:noFill/>
+      </a:ln>
+    </cs:spPr>
+    <cs:defRPr sz="900" kern="1200"/>
+  </cs:valueAxis>
+  <cs:wall>
+    <cs:lnRef idx="0"/>
+    <cs:fillRef idx="0"/>
+    <cs:effectRef idx="0"/>
+    <cs:fontRef idx="minor">
+      <a:schemeClr val="dk1"/>
+    </cs:fontRef>
+  </cs:wall>
+</cs:chartStyle>
+</file>
+
+<file path=ppt/charts/style2.xml><?xml version="1.0" encoding="utf-8"?>
+<cs:chartStyle xmlns:cs="http://schemas.microsoft.com/office/drawing/2012/chartStyle" xmlns:a="http://schemas.openxmlformats.org/drawingml/2006/main" id="259">
+  <cs:axisTitle>
+    <cs:lnRef idx="0"/>
+    <cs:fillRef idx="0"/>
+    <cs:effectRef idx="0"/>
+    <cs:fontRef idx="minor">
+      <a:schemeClr val="tx1">
+        <a:lumMod val="65000"/>
+        <a:lumOff val="35000"/>
+      </a:schemeClr>
+    </cs:fontRef>
+    <cs:defRPr sz="900" kern="1200" cap="all"/>
+  </cs:axisTitle>
+  <cs:categoryAxis>
+    <cs:lnRef idx="0"/>
+    <cs:fillRef idx="0"/>
+    <cs:effectRef idx="0"/>
+    <cs:fontRef idx="minor">
+      <a:schemeClr val="tx1">
+        <a:lumMod val="65000"/>
+        <a:lumOff val="35000"/>
+      </a:schemeClr>
+    </cs:fontRef>
+    <cs:defRPr sz="900" kern="1200"/>
+  </cs:categoryAxis>
+  <cs:chartArea mods="allowNoFillOverride allowNoLineOverride">
+    <cs:lnRef idx="0"/>
+    <cs:fillRef idx="0"/>
+    <cs:effectRef idx="0"/>
+    <cs:fontRef idx="minor">
+      <a:schemeClr val="tx1"/>
+    </cs:fontRef>
+    <cs:spPr>
+      <a:solidFill>
+        <a:schemeClr val="bg1"/>
+      </a:solidFill>
+      <a:ln w="9525" cap="flat" cmpd="sng" algn="ctr">
+        <a:solidFill>
+          <a:schemeClr val="tx1">
+            <a:lumMod val="15000"/>
+            <a:lumOff val="85000"/>
+          </a:schemeClr>
+        </a:solidFill>
+        <a:round/>
+      </a:ln>
+    </cs:spPr>
+    <cs:defRPr sz="1000" kern="1200"/>
+  </cs:chartArea>
+  <cs:dataLabel>
+    <cs:lnRef idx="0"/>
+    <cs:fillRef idx="0"/>
+    <cs:effectRef idx="0"/>
+    <cs:fontRef idx="minor">
+      <cs:styleClr val="auto"/>
+    </cs:fontRef>
+    <cs:defRPr sz="1000" b="1" i="0" u="none" strike="noStrike" kern="1200" spc="0" baseline="0"/>
+  </cs:dataLabel>
+  <cs:dataLabelCallout>
+    <cs:lnRef idx="0">
+      <cs:styleClr val="auto"/>
+    </cs:lnRef>
+    <cs:fillRef idx="0"/>
+    <cs:effectRef idx="0"/>
+    <cs:fontRef idx="minor">
+      <cs:styleClr val="auto"/>
+    </cs:fontRef>
+    <cs:spPr>
+      <a:solidFill>
+        <a:schemeClr val="lt1"/>
+      </a:solidFill>
+      <a:ln>
+        <a:solidFill>
+          <a:schemeClr val="phClr"/>
+        </a:solidFill>
+      </a:ln>
+    </cs:spPr>
+    <cs:defRPr sz="1000" b="1" kern="1200"/>
+    <cs:bodyPr rot="0" spcFirstLastPara="1" vertOverflow="clip" horzOverflow="clip" vert="horz" wrap="square" lIns="36576" tIns="18288" rIns="36576" bIns="18288" anchor="ctr" anchorCtr="1">
+      <a:spAutoFit/>
+    </cs:bodyPr>
+  </cs:dataLabelCallout>
+  <cs:dataPoint>
+    <cs:lnRef idx="0"/>
+    <cs:fillRef idx="0">
+      <cs:styleClr val="auto"/>
+    </cs:fillRef>
+    <cs:effectRef idx="0"/>
+    <cs:fontRef idx="minor">
+      <a:schemeClr val="dk1"/>
+    </cs:fontRef>
+    <cs:spPr>
+      <a:solidFill>
+        <a:schemeClr val="phClr"/>
+      </a:solidFill>
+      <a:effectLst>
+        <a:outerShdw blurRad="63500" sx="102000" sy="102000" algn="ctr" rotWithShape="0">
+          <a:prstClr val="black">
+            <a:alpha val="20000"/>
+          </a:prstClr>
+        </a:outerShdw>
+      </a:effectLst>
+    </cs:spPr>
+  </cs:dataPoint>
+  <cs:dataPoint3D>
+    <cs:lnRef idx="0"/>
+    <cs:fillRef idx="0">
+      <cs:styleClr val="auto"/>
+    </cs:fillRef>
+    <cs:effectRef idx="0"/>
+    <cs:fontRef idx="minor">
+      <a:schemeClr val="dk1"/>
+    </cs:fontRef>
+    <cs:spPr>
+      <a:solidFill>
+        <a:schemeClr val="phClr"/>
+      </a:solidFill>
+      <a:effectLst>
+        <a:outerShdw blurRad="88900" sx="102000" sy="102000" algn="ctr" rotWithShape="0">
+          <a:prstClr val="black">
+            <a:alpha val="10000"/>
+          </a:prstClr>
+        </a:outerShdw>
+      </a:effectLst>
+      <a:scene3d>
+        <a:camera prst="orthographicFront"/>
+        <a:lightRig rig="threePt" dir="t"/>
+      </a:scene3d>
+      <a:sp3d>
+        <a:bevelT w="127000" h="127000"/>
+        <a:bevelB w="127000" h="127000"/>
+      </a:sp3d>
+    </cs:spPr>
+  </cs:dataPoint3D>
+  <cs:dataPointLine>
+    <cs:lnRef idx="0">
+      <cs:styleClr val="auto"/>
+    </cs:lnRef>
+    <cs:fillRef idx="0"/>
+    <cs:effectRef idx="0"/>
+    <cs:fontRef idx="minor">
+      <a:schemeClr val="dk1"/>
+    </cs:fontRef>
+    <cs:spPr>
+      <a:ln w="28575" cap="rnd">
+        <a:solidFill>
+          <a:schemeClr val="phClr"/>
+        </a:solidFill>
+        <a:round/>
+      </a:ln>
+    </cs:spPr>
+  </cs:dataPointLine>
+  <cs:dataPointMarker>
+    <cs:lnRef idx="0"/>
+    <cs:fillRef idx="0">
+      <cs:styleClr val="auto"/>
+    </cs:fillRef>
+    <cs:effectRef idx="0"/>
+    <cs:fontRef idx="minor">
+      <a:schemeClr val="dk1"/>
+    </cs:fontRef>
+    <cs:spPr>
+      <a:solidFill>
+        <a:schemeClr val="phClr"/>
+      </a:solidFill>
+      <a:ln w="9525">
+        <a:solidFill>
+          <a:schemeClr val="lt1"/>
+        </a:solidFill>
+      </a:ln>
+    </cs:spPr>
+  </cs:dataPointMarker>
+  <cs:dataPointMarkerLayout symbol="circle" size="6"/>
+  <cs:dataPointWireframe>
+    <cs:lnRef idx="0">
+      <cs:styleClr val="auto"/>
+    </cs:lnRef>
+    <cs:fillRef idx="0"/>
+    <cs:effectRef idx="0"/>
+    <cs:fontRef idx="minor">
+      <a:schemeClr val="dk1"/>
+    </cs:fontRef>
+    <cs:spPr>
+      <a:ln w="9525" cap="rnd">
+        <a:solidFill>
+          <a:schemeClr val="phClr"/>
+        </a:solidFill>
+        <a:round/>
+      </a:ln>
+    </cs:spPr>
+  </cs:dataPointWireframe>
+  <cs:dataTable>
+    <cs:lnRef idx="0"/>
+    <cs:fillRef idx="0"/>
+    <cs:effectRef idx="0"/>
+    <cs:fontRef idx="minor">
+      <a:schemeClr val="tx1">
+        <a:lumMod val="65000"/>
+        <a:lumOff val="35000"/>
+      </a:schemeClr>
+    </cs:fontRef>
+    <cs:spPr>
+      <a:noFill/>
+      <a:ln w="9525" cap="flat" cmpd="sng" algn="ctr">
+        <a:solidFill>
+          <a:schemeClr val="tx1">
+            <a:lumMod val="15000"/>
+            <a:lumOff val="85000"/>
+          </a:schemeClr>
+        </a:solidFill>
+        <a:round/>
+      </a:ln>
+    </cs:spPr>
+    <cs:defRPr sz="900" kern="1200"/>
+  </cs:dataTable>
+  <cs:downBar>
+    <cs:lnRef idx="0"/>
+    <cs:fillRef idx="0"/>
+    <cs:effectRef idx="0"/>
+    <cs:fontRef idx="minor">
+      <a:schemeClr val="tx1"/>
+    </cs:fontRef>
+    <cs:spPr>
+      <a:solidFill>
+        <a:schemeClr val="dk1">
+          <a:lumMod val="75000"/>
+          <a:lumOff val="25000"/>
+        </a:schemeClr>
+      </a:solidFill>
+      <a:ln w="9525" cap="flat" cmpd="sng" algn="ctr">
+        <a:solidFill>
+          <a:schemeClr val="tx1">
+            <a:lumMod val="65000"/>
+            <a:lumOff val="35000"/>
+          </a:schemeClr>
+        </a:solidFill>
+        <a:round/>
+      </a:ln>
+    </cs:spPr>
+  </cs:downBar>
+  <cs:dropLine>
+    <cs:lnRef idx="0"/>
+    <cs:fillRef idx="0"/>
+    <cs:effectRef idx="0"/>
+    <cs:fontRef idx="minor">
+      <a:schemeClr val="tx1"/>
+    </cs:fontRef>
+    <cs:spPr>
+      <a:ln w="9525" cap="flat" cmpd="sng" algn="ctr">
+        <a:solidFill>
+          <a:schemeClr val="tx1">
+            <a:lumMod val="35000"/>
+            <a:lumOff val="65000"/>
+          </a:schemeClr>
+        </a:solidFill>
+        <a:round/>
+      </a:ln>
+    </cs:spPr>
+  </cs:dropLine>
+  <cs:errorBar>
+    <cs:lnRef idx="0"/>
+    <cs:fillRef idx="0"/>
+    <cs:effectRef idx="0"/>
+    <cs:fontRef idx="minor">
+      <a:schemeClr val="tx1"/>
+    </cs:fontRef>
+    <cs:spPr>
+      <a:ln w="9525" cap="flat" cmpd="sng" algn="ctr">
+        <a:solidFill>
+          <a:schemeClr val="tx1">
+            <a:lumMod val="65000"/>
+            <a:lumOff val="35000"/>
+          </a:schemeClr>
+        </a:solidFill>
+        <a:round/>
+      </a:ln>
+    </cs:spPr>
+  </cs:errorBar>
+  <cs:floor>
+    <cs:lnRef idx="0"/>
+    <cs:fillRef idx="0"/>
+    <cs:effectRef idx="0"/>
+    <cs:fontRef idx="minor">
+      <a:schemeClr val="tx1"/>
+    </cs:fontRef>
+    <cs:spPr>
+      <a:noFill/>
+      <a:ln>
+        <a:noFill/>
+      </a:ln>
+    </cs:spPr>
+  </cs:floor>
+  <cs:gridlineMajor>
+    <cs:lnRef idx="0"/>
+    <cs:fillRef idx="0"/>
+    <cs:effectRef idx="0"/>
+    <cs:fontRef idx="minor">
+      <a:schemeClr val="tx1"/>
+    </cs:fontRef>
+    <cs:spPr>
+      <a:ln w="9525" cap="flat" cmpd="sng" algn="ctr">
+        <a:solidFill>
+          <a:schemeClr val="tx1">
+            <a:lumMod val="15000"/>
+            <a:lumOff val="85000"/>
+          </a:schemeClr>
+        </a:solidFill>
+        <a:round/>
+      </a:ln>
+    </cs:spPr>
+  </cs:gridlineMajor>
+  <cs:gridlineMinor>
+    <cs:lnRef idx="0"/>
+    <cs:fillRef idx="0"/>
+    <cs:effectRef idx="0"/>
+    <cs:fontRef idx="minor">
+      <a:schemeClr val="tx1"/>
+    </cs:fontRef>
+    <cs:spPr>
+      <a:ln w="9525" cap="flat" cmpd="sng" algn="ctr">
+        <a:solidFill>
+          <a:schemeClr val="tx1">
+            <a:lumMod val="5000"/>
+            <a:lumOff val="95000"/>
+          </a:schemeClr>
+        </a:solidFill>
+        <a:round/>
+      </a:ln>
+    </cs:spPr>
+  </cs:gridlineMinor>
+  <cs:hiLoLine>
+    <cs:lnRef idx="0"/>
+    <cs:fillRef idx="0"/>
+    <cs:effectRef idx="0"/>
+    <cs:fontRef idx="minor">
+      <a:schemeClr val="tx1"/>
+    </cs:fontRef>
+    <cs:spPr>
+      <a:ln w="9525" cap="flat" cmpd="sng" algn="ctr">
+        <a:solidFill>
+          <a:schemeClr val="tx1">
+            <a:lumMod val="50000"/>
+            <a:lumOff val="50000"/>
+          </a:schemeClr>
+        </a:solidFill>
+        <a:round/>
+      </a:ln>
+    </cs:spPr>
+  </cs:hiLoLine>
+  <cs:leaderLine>
+    <cs:lnRef idx="0"/>
+    <cs:fillRef idx="0"/>
+    <cs:effectRef idx="0"/>
+    <cs:fontRef idx="minor">
+      <a:schemeClr val="tx1"/>
+    </cs:fontRef>
+    <cs:spPr>
+      <a:ln w="9525" cap="flat" cmpd="sng" algn="ctr">
+        <a:solidFill>
+          <a:schemeClr val="tx1">
+            <a:lumMod val="35000"/>
+            <a:lumOff val="65000"/>
+          </a:schemeClr>
+        </a:solidFill>
+        <a:round/>
+      </a:ln>
+    </cs:spPr>
+  </cs:leaderLine>
+  <cs:legend>
+    <cs:lnRef idx="0"/>
+    <cs:fillRef idx="0"/>
+    <cs:effectRef idx="0"/>
+    <cs:fontRef idx="minor">
+      <a:schemeClr val="tx1">
+        <a:lumMod val="65000"/>
+        <a:lumOff val="35000"/>
+      </a:schemeClr>
+    </cs:fontRef>
+    <cs:defRPr sz="900" kern="1200"/>
+  </cs:legend>
+  <cs:plotArea mods="allowNoFillOverride allowNoLineOverride">
+    <cs:lnRef idx="0"/>
+    <cs:fillRef idx="0"/>
+    <cs:effectRef idx="0"/>
+    <cs:fontRef idx="minor">
+      <a:schemeClr val="dk1"/>
+    </cs:fontRef>
+  </cs:plotArea>
+  <cs:plotArea3D mods="allowNoFillOverride allowNoLineOverride">
+    <cs:lnRef idx="0"/>
+    <cs:fillRef idx="0"/>
+    <cs:effectRef idx="0"/>
+    <cs:fontRef idx="minor">
+      <a:schemeClr val="dk1"/>
+    </cs:fontRef>
+  </cs:plotArea3D>
+  <cs:seriesAxis>
+    <cs:lnRef idx="0"/>
+    <cs:fillRef idx="0"/>
+    <cs:effectRef idx="0"/>
+    <cs:fontRef idx="minor">
+      <a:schemeClr val="tx1">
+        <a:lumMod val="65000"/>
+        <a:lumOff val="35000"/>
+      </a:schemeClr>
+    </cs:fontRef>
+    <cs:defRPr sz="900" kern="1200"/>
+  </cs:seriesAxis>
+  <cs:seriesLine>
+    <cs:lnRef idx="0"/>
+    <cs:fillRef idx="0"/>
+    <cs:effectRef idx="0"/>
+    <cs:fontRef idx="minor">
+      <a:schemeClr val="tx1"/>
+    </cs:fontRef>
+    <cs:spPr>
+      <a:ln w="9525" cap="flat" cmpd="sng" algn="ctr">
+        <a:solidFill>
+          <a:schemeClr val="tx1">
+            <a:lumMod val="35000"/>
+            <a:lumOff val="65000"/>
+          </a:schemeClr>
+        </a:solidFill>
+        <a:round/>
+      </a:ln>
+    </cs:spPr>
+  </cs:seriesLine>
+  <cs:title>
+    <cs:lnRef idx="0"/>
+    <cs:fillRef idx="0"/>
+    <cs:effectRef idx="0"/>
+    <cs:fontRef idx="minor">
+      <a:schemeClr val="tx1">
+        <a:lumMod val="65000"/>
+        <a:lumOff val="35000"/>
+      </a:schemeClr>
+    </cs:fontRef>
+    <cs:defRPr sz="1600" b="1" kern="1200" cap="all" baseline="0"/>
+  </cs:title>
+  <cs:trendline>
+    <cs:lnRef idx="0">
+      <cs:styleClr val="auto"/>
+    </cs:lnRef>
+    <cs:fillRef idx="0"/>
+    <cs:effectRef idx="0"/>
+    <cs:fontRef idx="minor">
+      <a:schemeClr val="tx1"/>
+    </cs:fontRef>
+    <cs:spPr>
+      <a:ln w="19050" cap="rnd">
+        <a:solidFill>
+          <a:schemeClr val="phClr"/>
+        </a:solidFill>
+        <a:prstDash val="sysDash"/>
+      </a:ln>
+    </cs:spPr>
+  </cs:trendline>
+  <cs:trendlineLabel>
+    <cs:lnRef idx="0"/>
+    <cs:fillRef idx="0"/>
+    <cs:effectRef idx="0"/>
+    <cs:fontRef idx="minor">
+      <a:schemeClr val="tx1">
+        <a:lumMod val="65000"/>
+        <a:lumOff val="35000"/>
+      </a:schemeClr>
+    </cs:fontRef>
+    <cs:defRPr sz="900" kern="1200"/>
+  </cs:trendlineLabel>
+  <cs:upBar>
+    <cs:lnRef idx="0"/>
+    <cs:fillRef idx="0"/>
+    <cs:effectRef idx="0"/>
+    <cs:fontRef idx="minor">
+      <a:schemeClr val="tx1"/>
+    </cs:fontRef>
+    <cs:spPr>
+      <a:solidFill>
+        <a:schemeClr val="lt1"/>
+      </a:solidFill>
+      <a:ln w="9525" cap="flat" cmpd="sng" algn="ctr">
+        <a:solidFill>
+          <a:schemeClr val="tx1">
+            <a:lumMod val="65000"/>
+            <a:lumOff val="35000"/>
+          </a:schemeClr>
+        </a:solidFill>
+        <a:round/>
+      </a:ln>
+    </cs:spPr>
+  </cs:upBar>
+  <cs:valueAxis>
+    <cs:lnRef idx="0"/>
+    <cs:fillRef idx="0"/>
+    <cs:effectRef idx="0"/>
+    <cs:fontRef idx="minor">
+      <a:schemeClr val="tx1">
+        <a:lumMod val="65000"/>
+        <a:lumOff val="35000"/>
+      </a:schemeClr>
+    </cs:fontRef>
+    <cs:defRPr sz="900" kern="1200"/>
+  </cs:valueAxis>
+  <cs:wall>
+    <cs:lnRef idx="0"/>
+    <cs:fillRef idx="0"/>
+    <cs:effectRef idx="0"/>
+    <cs:fontRef idx="minor">
+      <a:schemeClr val="tx1"/>
+    </cs:fontRef>
+    <cs:spPr>
+      <a:noFill/>
+      <a:ln>
+        <a:noFill/>
+      </a:ln>
+    </cs:spPr>
+  </cs:wall>
+</cs:chartStyle>
+</file>
+
+<file path=ppt/charts/style3.xml><?xml version="1.0" encoding="utf-8"?>
+<cs:chartStyle xmlns:cs="http://schemas.microsoft.com/office/drawing/2012/chartStyle" xmlns:a="http://schemas.openxmlformats.org/drawingml/2006/main" id="227">
+  <cs:axisTitle>
+    <cs:lnRef idx="0"/>
+    <cs:fillRef idx="0"/>
+    <cs:effectRef idx="0"/>
+    <cs:fontRef idx="minor">
+      <a:schemeClr val="tx1">
+        <a:lumMod val="65000"/>
+        <a:lumOff val="35000"/>
+      </a:schemeClr>
+    </cs:fontRef>
+    <cs:defRPr sz="1000" kern="1200"/>
+  </cs:axisTitle>
+  <cs:categoryAxis>
+    <cs:lnRef idx="0"/>
+    <cs:fillRef idx="0"/>
+    <cs:effectRef idx="0"/>
+    <cs:fontRef idx="minor">
+      <a:schemeClr val="tx1">
+        <a:lumMod val="65000"/>
+        <a:lumOff val="35000"/>
+      </a:schemeClr>
+    </cs:fontRef>
+    <cs:spPr>
+      <a:ln w="9525" cap="flat" cmpd="sng" algn="ctr">
+        <a:solidFill>
+          <a:schemeClr val="tx1">
+            <a:lumMod val="15000"/>
+            <a:lumOff val="85000"/>
+          </a:schemeClr>
+        </a:solidFill>
+        <a:round/>
+      </a:ln>
+    </cs:spPr>
+    <cs:defRPr sz="900" kern="1200"/>
+  </cs:categoryAxis>
+  <cs:chartArea mods="allowNoFillOverride allowNoLineOverride">
+    <cs:lnRef idx="0"/>
+    <cs:fillRef idx="0"/>
+    <cs:effectRef idx="0"/>
+    <cs:fontRef idx="minor">
+      <a:schemeClr val="tx1"/>
+    </cs:fontRef>
+    <cs:spPr>
+      <a:solidFill>
+        <a:schemeClr val="bg1"/>
+      </a:solidFill>
+      <a:ln w="9525" cap="flat" cmpd="sng" algn="ctr">
+        <a:solidFill>
+          <a:schemeClr val="tx1">
+            <a:lumMod val="15000"/>
+            <a:lumOff val="85000"/>
+          </a:schemeClr>
+        </a:solidFill>
+        <a:round/>
+      </a:ln>
+    </cs:spPr>
+    <cs:defRPr sz="1000" kern="1200"/>
+  </cs:chartArea>
+  <cs:dataLabel>
+    <cs:lnRef idx="0"/>
+    <cs:fillRef idx="0"/>
+    <cs:effectRef idx="0"/>
+    <cs:fontRef idx="minor">
+      <a:schemeClr val="tx1">
+        <a:lumMod val="75000"/>
+        <a:lumOff val="25000"/>
+      </a:schemeClr>
+    </cs:fontRef>
+    <cs:defRPr sz="900" kern="1200"/>
+  </cs:dataLabel>
+  <cs:dataLabelCallout>
+    <cs:lnRef idx="0"/>
+    <cs:fillRef idx="0"/>
+    <cs:effectRef idx="0"/>
+    <cs:fontRef idx="minor">
+      <a:schemeClr val="dk1">
+        <a:lumMod val="65000"/>
+        <a:lumOff val="35000"/>
+      </a:schemeClr>
+    </cs:fontRef>
+    <cs:spPr>
+      <a:solidFill>
+        <a:schemeClr val="lt1"/>
+      </a:solidFill>
+      <a:ln>
+        <a:solidFill>
+          <a:schemeClr val="dk1">
+            <a:lumMod val="25000"/>
+            <a:lumOff val="75000"/>
+          </a:schemeClr>
+        </a:solidFill>
+      </a:ln>
+    </cs:spPr>
+    <cs:defRPr sz="900" kern="1200"/>
+    <cs:bodyPr rot="0" spcFirstLastPara="1" vertOverflow="clip" horzOverflow="clip" vert="horz" wrap="square" lIns="36576" tIns="18288" rIns="36576" bIns="18288" anchor="ctr" anchorCtr="1">
+      <a:spAutoFit/>
+    </cs:bodyPr>
+  </cs:dataLabelCallout>
+  <cs:dataPoint>
+    <cs:lnRef idx="0"/>
+    <cs:fillRef idx="1">
+      <cs:styleClr val="auto"/>
+    </cs:fillRef>
+    <cs:effectRef idx="0"/>
+    <cs:fontRef idx="minor">
+      <a:schemeClr val="tx1"/>
+    </cs:fontRef>
+    <cs:spPr>
+      <a:solidFill>
+        <a:schemeClr val="phClr"/>
+      </a:solidFill>
+    </cs:spPr>
+  </cs:dataPoint>
+  <cs:dataPoint3D>
+    <cs:lnRef idx="0"/>
+    <cs:fillRef idx="1">
+      <cs:styleClr val="auto"/>
+    </cs:fillRef>
+    <cs:effectRef idx="0"/>
+    <cs:fontRef idx="minor">
+      <a:schemeClr val="tx1"/>
+    </cs:fontRef>
+    <cs:spPr>
+      <a:solidFill>
+        <a:schemeClr val="phClr"/>
+      </a:solidFill>
+    </cs:spPr>
+  </cs:dataPoint3D>
+  <cs:dataPointLine>
+    <cs:lnRef idx="0">
+      <cs:styleClr val="auto"/>
+    </cs:lnRef>
+    <cs:fillRef idx="1"/>
+    <cs:effectRef idx="0"/>
+    <cs:fontRef idx="minor">
+      <a:schemeClr val="tx1"/>
+    </cs:fontRef>
+    <cs:spPr>
+      <a:ln w="28575" cap="rnd">
+        <a:solidFill>
+          <a:schemeClr val="phClr"/>
+        </a:solidFill>
+        <a:round/>
+      </a:ln>
+    </cs:spPr>
+  </cs:dataPointLine>
+  <cs:dataPointMarker>
+    <cs:lnRef idx="0">
+      <cs:styleClr val="auto"/>
+    </cs:lnRef>
+    <cs:fillRef idx="1">
+      <cs:styleClr val="auto"/>
+    </cs:fillRef>
+    <cs:effectRef idx="0"/>
+    <cs:fontRef idx="minor">
+      <a:schemeClr val="tx1"/>
+    </cs:fontRef>
+    <cs:spPr>
+      <a:solidFill>
+        <a:schemeClr val="phClr"/>
+      </a:solidFill>
+      <a:ln w="9525">
+        <a:solidFill>
+          <a:schemeClr val="phClr"/>
+        </a:solidFill>
+      </a:ln>
+    </cs:spPr>
+  </cs:dataPointMarker>
+  <cs:dataPointMarkerLayout symbol="circle" size="5"/>
+  <cs:dataPointWireframe>
+    <cs:lnRef idx="0">
+      <cs:styleClr val="auto"/>
+    </cs:lnRef>
+    <cs:fillRef idx="1"/>
+    <cs:effectRef idx="0"/>
+    <cs:fontRef idx="minor">
+      <a:schemeClr val="tx1"/>
+    </cs:fontRef>
+    <cs:spPr>
+      <a:ln w="9525" cap="rnd">
+        <a:solidFill>
+          <a:schemeClr val="phClr"/>
+        </a:solidFill>
+        <a:round/>
+      </a:ln>
+    </cs:spPr>
+  </cs:dataPointWireframe>
+  <cs:dataTable>
+    <cs:lnRef idx="0"/>
+    <cs:fillRef idx="0"/>
+    <cs:effectRef idx="0"/>
+    <cs:fontRef idx="minor">
+      <a:schemeClr val="tx1">
+        <a:lumMod val="65000"/>
+        <a:lumOff val="35000"/>
+      </a:schemeClr>
+    </cs:fontRef>
+    <cs:spPr>
+      <a:noFill/>
+      <a:ln w="9525" cap="flat" cmpd="sng" algn="ctr">
+        <a:solidFill>
+          <a:schemeClr val="tx1">
+            <a:lumMod val="15000"/>
+            <a:lumOff val="85000"/>
+          </a:schemeClr>
+        </a:solidFill>
+        <a:round/>
+      </a:ln>
+    </cs:spPr>
+    <cs:defRPr sz="900" kern="1200"/>
+  </cs:dataTable>
+  <cs:downBar>
+    <cs:lnRef idx="0"/>
+    <cs:fillRef idx="0"/>
+    <cs:effectRef idx="0"/>
+    <cs:fontRef idx="minor">
+      <a:schemeClr val="dk1"/>
+    </cs:fontRef>
+    <cs:spPr>
+      <a:solidFill>
+        <a:schemeClr val="dk1">
+          <a:lumMod val="65000"/>
+          <a:lumOff val="35000"/>
+        </a:schemeClr>
+      </a:solidFill>
+      <a:ln w="9525">
+        <a:solidFill>
+          <a:schemeClr val="tx1">
+            <a:lumMod val="65000"/>
+            <a:lumOff val="35000"/>
+          </a:schemeClr>
+        </a:solidFill>
+      </a:ln>
+    </cs:spPr>
+  </cs:downBar>
+  <cs:dropLine>
+    <cs:lnRef idx="0"/>
+    <cs:fillRef idx="0"/>
+    <cs:effectRef idx="0"/>
+    <cs:fontRef idx="minor">
+      <a:schemeClr val="tx1"/>
+    </cs:fontRef>
+    <cs:spPr>
+      <a:ln w="9525" cap="flat" cmpd="sng" algn="ctr">
+        <a:solidFill>
+          <a:schemeClr val="tx1">
+            <a:lumMod val="35000"/>
+            <a:lumOff val="65000"/>
+          </a:schemeClr>
+        </a:solidFill>
+        <a:round/>
+      </a:ln>
+    </cs:spPr>
+  </cs:dropLine>
+  <cs:errorBar>
+    <cs:lnRef idx="0"/>
+    <cs:fillRef idx="0"/>
+    <cs:effectRef idx="0"/>
+    <cs:fontRef idx="minor">
+      <a:schemeClr val="tx1"/>
+    </cs:fontRef>
+    <cs:spPr>
+      <a:ln w="9525" cap="flat" cmpd="sng" algn="ctr">
+        <a:solidFill>
+          <a:schemeClr val="tx1">
+            <a:lumMod val="65000"/>
+            <a:lumOff val="35000"/>
+          </a:schemeClr>
+        </a:solidFill>
+        <a:round/>
+      </a:ln>
+    </cs:spPr>
+  </cs:errorBar>
+  <cs:floor>
+    <cs:lnRef idx="0"/>
+    <cs:fillRef idx="0"/>
+    <cs:effectRef idx="0"/>
+    <cs:fontRef idx="minor">
+      <a:schemeClr val="tx1"/>
+    </cs:fontRef>
+    <cs:spPr>
+      <a:noFill/>
+      <a:ln>
+        <a:noFill/>
+      </a:ln>
+    </cs:spPr>
+  </cs:floor>
+  <cs:gridlineMajor>
+    <cs:lnRef idx="0"/>
+    <cs:fillRef idx="0"/>
+    <cs:effectRef idx="0"/>
+    <cs:fontRef idx="minor">
+      <a:schemeClr val="tx1"/>
+    </cs:fontRef>
+    <cs:spPr>
+      <a:ln w="9525" cap="flat" cmpd="sng" algn="ctr">
+        <a:solidFill>
+          <a:schemeClr val="tx1">
+            <a:lumMod val="15000"/>
+            <a:lumOff val="85000"/>
+          </a:schemeClr>
+        </a:solidFill>
+        <a:round/>
+      </a:ln>
+    </cs:spPr>
+  </cs:gridlineMajor>
+  <cs:gridlineMinor>
+    <cs:lnRef idx="0"/>
+    <cs:fillRef idx="0"/>
+    <cs:effectRef idx="0"/>
+    <cs:fontRef idx="minor">
+      <a:schemeClr val="tx1"/>
+    </cs:fontRef>
+    <cs:spPr>
+      <a:ln w="9525" cap="flat" cmpd="sng" algn="ctr">
+        <a:solidFill>
+          <a:schemeClr val="tx1">
+            <a:lumMod val="5000"/>
+            <a:lumOff val="95000"/>
+          </a:schemeClr>
+        </a:solidFill>
+        <a:round/>
+      </a:ln>
+    </cs:spPr>
+  </cs:gridlineMinor>
+  <cs:hiLoLine>
+    <cs:lnRef idx="0"/>
+    <cs:fillRef idx="0"/>
+    <cs:effectRef idx="0"/>
+    <cs:fontRef idx="minor">
+      <a:schemeClr val="tx1"/>
+    </cs:fontRef>
+    <cs:spPr>
+      <a:ln w="9525" cap="flat" cmpd="sng" algn="ctr">
+        <a:solidFill>
+          <a:schemeClr val="tx1">
+            <a:lumMod val="75000"/>
+            <a:lumOff val="25000"/>
+          </a:schemeClr>
+        </a:solidFill>
+        <a:round/>
+      </a:ln>
+    </cs:spPr>
+  </cs:hiLoLine>
+  <cs:leaderLine>
+    <cs:lnRef idx="0"/>
+    <cs:fillRef idx="0"/>
+    <cs:effectRef idx="0"/>
+    <cs:fontRef idx="minor">
+      <a:schemeClr val="tx1"/>
+    </cs:fontRef>
+    <cs:spPr>
+      <a:ln w="9525" cap="flat" cmpd="sng" algn="ctr">
+        <a:solidFill>
+          <a:schemeClr val="tx1">
+            <a:lumMod val="35000"/>
+            <a:lumOff val="65000"/>
+          </a:schemeClr>
+        </a:solidFill>
+        <a:round/>
+      </a:ln>
+    </cs:spPr>
+  </cs:leaderLine>
+  <cs:legend>
+    <cs:lnRef idx="0"/>
+    <cs:fillRef idx="0"/>
+    <cs:effectRef idx="0"/>
+    <cs:fontRef idx="minor">
+      <a:schemeClr val="tx1">
+        <a:lumMod val="65000"/>
+        <a:lumOff val="35000"/>
+      </a:schemeClr>
+    </cs:fontRef>
+    <cs:defRPr sz="900" kern="1200"/>
+  </cs:legend>
+  <cs:plotArea mods="allowNoFillOverride allowNoLineOverride">
+    <cs:lnRef idx="0"/>
+    <cs:fillRef idx="0"/>
+    <cs:effectRef idx="0"/>
+    <cs:fontRef idx="minor">
+      <a:schemeClr val="tx1"/>
+    </cs:fontRef>
+  </cs:plotArea>
+  <cs:plotArea3D mods="allowNoFillOverride allowNoLineOverride">
+    <cs:lnRef idx="0"/>
+    <cs:fillRef idx="0"/>
+    <cs:effectRef idx="0"/>
+    <cs:fontRef idx="minor">
+      <a:schemeClr val="tx1"/>
+    </cs:fontRef>
+  </cs:plotArea3D>
+  <cs:seriesAxis>
+    <cs:lnRef idx="0"/>
+    <cs:fillRef idx="0"/>
+    <cs:effectRef idx="0"/>
+    <cs:fontRef idx="minor">
+      <a:schemeClr val="tx1">
+        <a:lumMod val="65000"/>
+        <a:lumOff val="35000"/>
+      </a:schemeClr>
+    </cs:fontRef>
+    <cs:defRPr sz="900" kern="1200"/>
+  </cs:seriesAxis>
+  <cs:seriesLine>
+    <cs:lnRef idx="0"/>
+    <cs:fillRef idx="0"/>
+    <cs:effectRef idx="0"/>
+    <cs:fontRef idx="minor">
+      <a:schemeClr val="tx1"/>
+    </cs:fontRef>
+    <cs:spPr>
+      <a:ln w="9525" cap="flat" cmpd="sng" algn="ctr">
+        <a:solidFill>
+          <a:schemeClr val="tx1">
+            <a:lumMod val="35000"/>
+            <a:lumOff val="65000"/>
+          </a:schemeClr>
+        </a:solidFill>
+        <a:round/>
+      </a:ln>
+    </cs:spPr>
+  </cs:seriesLine>
+  <cs:title>
+    <cs:lnRef idx="0"/>
+    <cs:fillRef idx="0"/>
+    <cs:effectRef idx="0"/>
+    <cs:fontRef idx="minor">
+      <a:schemeClr val="tx1">
+        <a:lumMod val="65000"/>
+        <a:lumOff val="35000"/>
+      </a:schemeClr>
+    </cs:fontRef>
+    <cs:defRPr sz="1400" b="0" kern="1200" spc="0" baseline="0"/>
+  </cs:title>
+  <cs:trendline>
+    <cs:lnRef idx="0">
+      <cs:styleClr val="auto"/>
+    </cs:lnRef>
+    <cs:fillRef idx="0"/>
+    <cs:effectRef idx="0"/>
+    <cs:fontRef idx="minor">
+      <a:schemeClr val="tx1"/>
+    </cs:fontRef>
+    <cs:spPr>
+      <a:ln w="19050" cap="rnd">
+        <a:solidFill>
+          <a:schemeClr val="phClr"/>
+        </a:solidFill>
+        <a:prstDash val="sysDot"/>
+      </a:ln>
+    </cs:spPr>
+  </cs:trendline>
+  <cs:trendlineLabel>
+    <cs:lnRef idx="0"/>
+    <cs:fillRef idx="0"/>
+    <cs:effectRef idx="0"/>
+    <cs:fontRef idx="minor">
+      <a:schemeClr val="tx1">
+        <a:lumMod val="65000"/>
+        <a:lumOff val="35000"/>
+      </a:schemeClr>
+    </cs:fontRef>
+    <cs:defRPr sz="900" kern="1200"/>
+  </cs:trendlineLabel>
+  <cs:upBar>
+    <cs:lnRef idx="0"/>
+    <cs:fillRef idx="0"/>
+    <cs:effectRef idx="0"/>
+    <cs:fontRef idx="minor">
+      <a:schemeClr val="dk1"/>
+    </cs:fontRef>
+    <cs:spPr>
+      <a:solidFill>
+        <a:schemeClr val="lt1"/>
+      </a:solidFill>
+      <a:ln w="9525">
+        <a:solidFill>
+          <a:schemeClr val="tx1">
+            <a:lumMod val="15000"/>
+            <a:lumOff val="85000"/>
+          </a:schemeClr>
+        </a:solidFill>
+      </a:ln>
+    </cs:spPr>
+  </cs:upBar>
+  <cs:valueAxis>
+    <cs:lnRef idx="0"/>
+    <cs:fillRef idx="0"/>
+    <cs:effectRef idx="0"/>
+    <cs:fontRef idx="minor">
+      <a:schemeClr val="tx1">
+        <a:lumMod val="65000"/>
+        <a:lumOff val="35000"/>
+      </a:schemeClr>
+    </cs:fontRef>
+    <cs:defRPr sz="900" kern="1200"/>
+  </cs:valueAxis>
+  <cs:wall>
+    <cs:lnRef idx="0"/>
+    <cs:fillRef idx="0"/>
+    <cs:effectRef idx="0"/>
+    <cs:fontRef idx="minor">
+      <a:schemeClr val="tx1"/>
+    </cs:fontRef>
+    <cs:spPr>
+      <a:noFill/>
+      <a:ln>
+        <a:noFill/>
+      </a:ln>
+    </cs:spPr>
+  </cs:wall>
+</cs:chartStyle>
+</file>
+
+<file path=ppt/charts/style4.xml><?xml version="1.0" encoding="utf-8"?>
+<cs:chartStyle xmlns:cs="http://schemas.microsoft.com/office/drawing/2012/chartStyle" xmlns:a="http://schemas.openxmlformats.org/drawingml/2006/main" id="257">
+  <cs:axisTitle>
+    <cs:lnRef idx="0"/>
+    <cs:fillRef idx="0"/>
+    <cs:effectRef idx="0"/>
+    <cs:fontRef idx="minor">
+      <a:schemeClr val="lt1">
+        <a:lumMod val="85000"/>
+      </a:schemeClr>
+    </cs:fontRef>
+    <cs:defRPr sz="900" b="1" kern="1200" cap="all"/>
+  </cs:axisTitle>
+  <cs:categoryAxis>
+    <cs:lnRef idx="0"/>
+    <cs:fillRef idx="0"/>
+    <cs:effectRef idx="0"/>
+    <cs:fontRef idx="minor">
+      <a:schemeClr val="lt1">
+        <a:lumMod val="85000"/>
+      </a:schemeClr>
+    </cs:fontRef>
+    <cs:spPr>
+      <a:ln w="12700" cap="flat" cmpd="sng" algn="ctr">
+        <a:solidFill>
+          <a:schemeClr val="lt1">
+            <a:lumMod val="95000"/>
+            <a:alpha val="54000"/>
+          </a:schemeClr>
+        </a:solidFill>
+        <a:round/>
+      </a:ln>
+    </cs:spPr>
+    <cs:defRPr sz="900" kern="1200"/>
+  </cs:categoryAxis>
+  <cs:chartArea>
+    <cs:lnRef idx="0"/>
+    <cs:fillRef idx="0"/>
+    <cs:effectRef idx="0"/>
+    <cs:fontRef idx="minor">
+      <a:schemeClr val="dk1"/>
+    </cs:fontRef>
+    <cs:spPr>
+      <a:gradFill flip="none" rotWithShape="1">
+        <a:gsLst>
+          <a:gs pos="0">
+            <a:schemeClr val="dk1">
+              <a:lumMod val="65000"/>
+              <a:lumOff val="35000"/>
+            </a:schemeClr>
+          </a:gs>
+          <a:gs pos="100000">
+            <a:schemeClr val="dk1">
+              <a:lumMod val="85000"/>
+              <a:lumOff val="15000"/>
+            </a:schemeClr>
+          </a:gs>
+        </a:gsLst>
+        <a:path path="circle">
+          <a:fillToRect l="50000" t="50000" r="50000" b="50000"/>
+        </a:path>
+        <a:tileRect/>
+      </a:gradFill>
+    </cs:spPr>
+    <cs:defRPr sz="1000" kern="1200"/>
+  </cs:chartArea>
+  <cs:dataLabel>
+    <cs:lnRef idx="0"/>
+    <cs:fillRef idx="0"/>
+    <cs:effectRef idx="0"/>
+    <cs:fontRef idx="minor">
+      <a:schemeClr val="lt1">
+        <a:lumMod val="85000"/>
+      </a:schemeClr>
+    </cs:fontRef>
+    <cs:defRPr sz="900" kern="1200"/>
+  </cs:dataLabel>
+  <cs:dataLabelCallout>
+    <cs:lnRef idx="0"/>
+    <cs:fillRef idx="0"/>
+    <cs:effectRef idx="0"/>
+    <cs:fontRef idx="minor">
+      <a:schemeClr val="dk1">
+        <a:lumMod val="65000"/>
+        <a:lumOff val="35000"/>
+      </a:schemeClr>
+    </cs:fontRef>
+    <cs:spPr>
+      <a:solidFill>
+        <a:schemeClr val="lt1"/>
+      </a:solidFill>
+    </cs:spPr>
+    <cs:defRPr sz="900" kern="1200"/>
+    <cs:bodyPr rot="0" spcFirstLastPara="1" vertOverflow="clip" horzOverflow="clip" vert="horz" wrap="square" lIns="36576" tIns="18288" rIns="36576" bIns="18288" anchor="ctr" anchorCtr="1">
+      <a:spAutoFit/>
+    </cs:bodyPr>
+  </cs:dataLabelCallout>
+  <cs:dataPoint>
+    <cs:lnRef idx="0"/>
+    <cs:fillRef idx="3">
+      <cs:styleClr val="auto"/>
+    </cs:fillRef>
+    <cs:effectRef idx="3"/>
+    <cs:fontRef idx="minor">
+      <a:schemeClr val="tx1"/>
+    </cs:fontRef>
+  </cs:dataPoint>
+  <cs:dataPoint3D>
+    <cs:lnRef idx="0"/>
+    <cs:fillRef idx="3">
+      <cs:styleClr val="auto"/>
+    </cs:fillRef>
+    <cs:effectRef idx="3"/>
+    <cs:fontRef idx="minor">
+      <a:schemeClr val="tx1"/>
+    </cs:fontRef>
+  </cs:dataPoint3D>
+  <cs:dataPointLine>
+    <cs:lnRef idx="0">
+      <cs:styleClr val="auto"/>
+    </cs:lnRef>
+    <cs:fillRef idx="3"/>
+    <cs:effectRef idx="3"/>
+    <cs:fontRef idx="minor">
+      <a:schemeClr val="tx1"/>
+    </cs:fontRef>
+    <cs:spPr>
+      <a:ln w="34925" cap="rnd">
+        <a:solidFill>
+          <a:schemeClr val="phClr"/>
+        </a:solidFill>
+        <a:round/>
+      </a:ln>
+    </cs:spPr>
+  </cs:dataPointLine>
+  <cs:dataPointMarker>
+    <cs:lnRef idx="0">
+      <cs:styleClr val="auto"/>
+    </cs:lnRef>
+    <cs:fillRef idx="3">
+      <cs:styleClr val="auto"/>
+    </cs:fillRef>
+    <cs:effectRef idx="3"/>
+    <cs:fontRef idx="minor">
+      <a:schemeClr val="tx1"/>
+    </cs:fontRef>
+    <cs:spPr>
+      <a:ln w="9525">
+        <a:solidFill>
+          <a:schemeClr val="phClr"/>
+        </a:solidFill>
+        <a:round/>
+      </a:ln>
+    </cs:spPr>
+  </cs:dataPointMarker>
+  <cs:dataPointMarkerLayout symbol="circle" size="6"/>
+  <cs:dataPointWireframe>
+    <cs:lnRef idx="0">
+      <cs:styleClr val="auto"/>
+    </cs:lnRef>
+    <cs:fillRef idx="3"/>
+    <cs:effectRef idx="3"/>
+    <cs:fontRef idx="minor">
+      <a:schemeClr val="tx1"/>
+    </cs:fontRef>
+    <cs:spPr>
+      <a:ln w="9525" cap="rnd">
+        <a:solidFill>
+          <a:schemeClr val="phClr"/>
+        </a:solidFill>
+        <a:round/>
+      </a:ln>
+    </cs:spPr>
+  </cs:dataPointWireframe>
+  <cs:dataTable>
+    <cs:lnRef idx="0"/>
+    <cs:fillRef idx="0"/>
+    <cs:effectRef idx="0"/>
+    <cs:fontRef idx="minor">
+      <a:schemeClr val="lt1">
+        <a:lumMod val="85000"/>
+      </a:schemeClr>
+    </cs:fontRef>
+    <cs:spPr>
+      <a:ln w="9525">
+        <a:solidFill>
+          <a:schemeClr val="lt1">
+            <a:lumMod val="95000"/>
+            <a:alpha val="54000"/>
+          </a:schemeClr>
+        </a:solidFill>
+      </a:ln>
+    </cs:spPr>
+    <cs:defRPr sz="900" kern="1200"/>
+  </cs:dataTable>
+  <cs:downBar>
+    <cs:lnRef idx="0"/>
+    <cs:fillRef idx="0"/>
+    <cs:effectRef idx="0"/>
+    <cs:fontRef idx="minor">
+      <a:schemeClr val="tx1"/>
+    </cs:fontRef>
+    <cs:spPr>
+      <a:solidFill>
+        <a:schemeClr val="dk1">
+          <a:lumMod val="75000"/>
+          <a:lumOff val="25000"/>
+        </a:schemeClr>
+      </a:solidFill>
+      <a:ln w="9525">
+        <a:solidFill>
+          <a:schemeClr val="lt1">
+            <a:lumMod val="95000"/>
+            <a:alpha val="54000"/>
+          </a:schemeClr>
+        </a:solidFill>
+      </a:ln>
+    </cs:spPr>
+  </cs:downBar>
+  <cs:dropLine>
+    <cs:lnRef idx="0"/>
+    <cs:fillRef idx="0"/>
+    <cs:effectRef idx="0"/>
+    <cs:fontRef idx="minor">
+      <a:schemeClr val="tx1"/>
+    </cs:fontRef>
+    <cs:spPr>
+      <a:ln w="9525">
+        <a:solidFill>
+          <a:schemeClr val="lt1">
+            <a:lumMod val="95000"/>
+            <a:alpha val="54000"/>
+          </a:schemeClr>
+        </a:solidFill>
+        <a:prstDash val="dash"/>
+      </a:ln>
+    </cs:spPr>
+  </cs:dropLine>
+  <cs:errorBar>
+    <cs:lnRef idx="0"/>
+    <cs:fillRef idx="0"/>
+    <cs:effectRef idx="0"/>
+    <cs:fontRef idx="minor">
+      <a:schemeClr val="tx1"/>
+    </cs:fontRef>
+    <cs:spPr>
+      <a:ln w="9525" cap="flat" cmpd="sng" algn="ctr">
+        <a:solidFill>
+          <a:schemeClr val="lt1">
+            <a:lumMod val="95000"/>
+          </a:schemeClr>
+        </a:solidFill>
+        <a:round/>
+      </a:ln>
+    </cs:spPr>
+  </cs:errorBar>
+  <cs:floor>
+    <cs:lnRef idx="0"/>
+    <cs:fillRef idx="0"/>
+    <cs:effectRef idx="0"/>
+    <cs:fontRef idx="minor">
+      <a:schemeClr val="tx1"/>
+    </cs:fontRef>
+  </cs:floor>
+  <cs:gridlineMajor>
+    <cs:lnRef idx="0"/>
+    <cs:fillRef idx="0"/>
+    <cs:effectRef idx="0"/>
+    <cs:fontRef idx="minor">
+      <a:schemeClr val="tx1"/>
+    </cs:fontRef>
+    <cs:spPr>
+      <a:ln w="9525" cap="flat" cmpd="sng" algn="ctr">
+        <a:solidFill>
+          <a:schemeClr val="lt1">
+            <a:lumMod val="95000"/>
+            <a:alpha val="10000"/>
+          </a:schemeClr>
+        </a:solidFill>
+        <a:round/>
+      </a:ln>
+    </cs:spPr>
+  </cs:gridlineMajor>
+  <cs:gridlineMinor>
+    <cs:lnRef idx="0"/>
+    <cs:fillRef idx="0"/>
+    <cs:effectRef idx="0"/>
+    <cs:fontRef idx="minor">
+      <a:schemeClr val="tx1"/>
+    </cs:fontRef>
+    <cs:spPr>
+      <a:ln>
+        <a:solidFill>
+          <a:schemeClr val="lt1">
+            <a:lumMod val="95000"/>
+            <a:alpha val="5000"/>
+          </a:schemeClr>
+        </a:solidFill>
+      </a:ln>
+    </cs:spPr>
+  </cs:gridlineMinor>
+  <cs:hiLoLine>
+    <cs:lnRef idx="0"/>
+    <cs:fillRef idx="0"/>
+    <cs:effectRef idx="0"/>
+    <cs:fontRef idx="minor">
+      <a:schemeClr val="tx1"/>
+    </cs:fontRef>
+    <cs:spPr>
+      <a:ln w="9525">
+        <a:solidFill>
+          <a:schemeClr val="lt1">
+            <a:lumMod val="95000"/>
+            <a:alpha val="54000"/>
+          </a:schemeClr>
+        </a:solidFill>
+        <a:prstDash val="dash"/>
+      </a:ln>
+    </cs:spPr>
+  </cs:hiLoLine>
+  <cs:leaderLine>
+    <cs:lnRef idx="0"/>
+    <cs:fillRef idx="0"/>
+    <cs:effectRef idx="0"/>
+    <cs:fontRef idx="minor">
+      <a:schemeClr val="tx1"/>
+    </cs:fontRef>
+    <cs:spPr>
+      <a:ln w="9525">
+        <a:solidFill>
+          <a:schemeClr val="lt1">
+            <a:lumMod val="95000"/>
+            <a:alpha val="54000"/>
+          </a:schemeClr>
+        </a:solidFill>
+      </a:ln>
+    </cs:spPr>
+  </cs:leaderLine>
+  <cs:legend>
+    <cs:lnRef idx="0"/>
+    <cs:fillRef idx="0"/>
+    <cs:effectRef idx="0"/>
+    <cs:fontRef idx="minor">
+      <a:schemeClr val="lt1">
+        <a:lumMod val="85000"/>
+      </a:schemeClr>
+    </cs:fontRef>
+    <cs:defRPr sz="900" kern="1200"/>
+  </cs:legend>
+  <cs:plotArea>
+    <cs:lnRef idx="0"/>
+    <cs:fillRef idx="0"/>
+    <cs:effectRef idx="0"/>
+    <cs:fontRef idx="minor">
+      <a:schemeClr val="tx1"/>
+    </cs:fontRef>
+  </cs:plotArea>
+  <cs:plotArea3D>
+    <cs:lnRef idx="0"/>
+    <cs:fillRef idx="0"/>
+    <cs:effectRef idx="0"/>
+    <cs:fontRef idx="minor">
+      <a:schemeClr val="tx1"/>
+    </cs:fontRef>
+  </cs:plotArea3D>
+  <cs:seriesAxis>
+    <cs:lnRef idx="0"/>
+    <cs:fillRef idx="0"/>
+    <cs:effectRef idx="0"/>
+    <cs:fontRef idx="minor">
+      <a:schemeClr val="lt1">
+        <a:lumMod val="85000"/>
+      </a:schemeClr>
+    </cs:fontRef>
+    <cs:spPr>
+      <a:ln w="12700" cap="flat" cmpd="sng" algn="ctr">
+        <a:solidFill>
+          <a:schemeClr val="lt1">
+            <a:lumMod val="95000"/>
+            <a:alpha val="54000"/>
+          </a:schemeClr>
+        </a:solidFill>
+        <a:round/>
+      </a:ln>
+    </cs:spPr>
+    <cs:defRPr sz="900" kern="1200"/>
+  </cs:seriesAxis>
+  <cs:seriesLine>
+    <cs:lnRef idx="0"/>
+    <cs:fillRef idx="0"/>
+    <cs:effectRef idx="0"/>
+    <cs:fontRef idx="minor">
+      <a:schemeClr val="lt1"/>
+    </cs:fontRef>
+    <cs:spPr>
+      <a:ln w="9525" cap="flat" cmpd="sng" algn="ctr">
+        <a:solidFill>
+          <a:schemeClr val="lt1">
+            <a:lumMod val="95000"/>
+            <a:alpha val="54000"/>
+          </a:schemeClr>
+        </a:solidFill>
+        <a:round/>
+      </a:ln>
+    </cs:spPr>
+  </cs:seriesLine>
+  <cs:title>
+    <cs:lnRef idx="0"/>
+    <cs:fillRef idx="0"/>
+    <cs:effectRef idx="0"/>
+    <cs:fontRef idx="minor">
+      <a:schemeClr val="lt1">
+        <a:lumMod val="95000"/>
+      </a:schemeClr>
+    </cs:fontRef>
+    <cs:defRPr sz="1600" b="1" kern="1200" spc="100" baseline="0">
+      <a:effectLst>
+        <a:outerShdw blurRad="50800" dist="38100" dir="5400000" algn="t" rotWithShape="0">
+          <a:prstClr val="black">
+            <a:alpha val="40000"/>
+          </a:prstClr>
+        </a:outerShdw>
+      </a:effectLst>
+    </cs:defRPr>
+  </cs:title>
+  <cs:trendline>
+    <cs:lnRef idx="0">
+      <cs:styleClr val="auto"/>
+    </cs:lnRef>
+    <cs:fillRef idx="0"/>
+    <cs:effectRef idx="0"/>
+    <cs:fontRef idx="minor">
+      <a:schemeClr val="tx1"/>
+    </cs:fontRef>
+    <cs:spPr>
+      <a:ln w="19050" cap="rnd">
+        <a:solidFill>
+          <a:schemeClr val="phClr"/>
+        </a:solidFill>
+      </a:ln>
+    </cs:spPr>
+  </cs:trendline>
+  <cs:trendlineLabel>
+    <cs:lnRef idx="0"/>
+    <cs:fillRef idx="0"/>
+    <cs:effectRef idx="0"/>
+    <cs:fontRef idx="minor">
+      <a:schemeClr val="lt1">
+        <a:lumMod val="85000"/>
+      </a:schemeClr>
+    </cs:fontRef>
+    <cs:defRPr sz="900" kern="1200"/>
+  </cs:trendlineLabel>
+  <cs:upBar>
+    <cs:lnRef idx="0"/>
+    <cs:fillRef idx="0"/>
+    <cs:effectRef idx="0"/>
+    <cs:fontRef idx="minor">
+      <a:schemeClr val="tx1"/>
+    </cs:fontRef>
+    <cs:spPr>
+      <a:solidFill>
+        <a:schemeClr val="lt1"/>
+      </a:solidFill>
+      <a:ln w="9525">
+        <a:solidFill>
+          <a:schemeClr val="lt1">
+            <a:lumMod val="95000"/>
+            <a:alpha val="54000"/>
+          </a:schemeClr>
+        </a:solidFill>
+      </a:ln>
+    </cs:spPr>
+  </cs:upBar>
+  <cs:valueAxis>
+    <cs:lnRef idx="0"/>
+    <cs:fillRef idx="0"/>
+    <cs:effectRef idx="0"/>
+    <cs:fontRef idx="minor">
+      <a:schemeClr val="lt1">
+        <a:lumMod val="85000"/>
+      </a:schemeClr>
+    </cs:fontRef>
+    <cs:defRPr sz="900" kern="1200"/>
+  </cs:valueAxis>
+  <cs:wall>
+    <cs:lnRef idx="0"/>
+    <cs:fillRef idx="0"/>
+    <cs:effectRef idx="0"/>
+    <cs:fontRef idx="minor">
+      <a:schemeClr val="tx1"/>
+    </cs:fontRef>
+  </cs:wall>
+</cs:chartStyle>
 </file>
 
 <file path=ppt/notesMasters/notesMaster1.xml><?xml version="1.0" encoding="utf-8"?>
@@ -6518,7 +10667,7 @@
         </p:nvSpPr>
         <p:spPr>
           <a:xfrm>
-            <a:off x="344500" y="1907125"/>
+            <a:off x="344500" y="1692900"/>
             <a:ext cx="8643300" cy="1740600"/>
           </a:xfrm>
           <a:prstGeom prst="rect">
@@ -6545,14 +10694,14 @@
               <a:buNone/>
             </a:pPr>
             <a:r>
-              <a:rPr lang="en" sz="5200" b="1">
+              <a:rPr lang="en" sz="5200" b="1" dirty="0">
                 <a:solidFill>
                   <a:srgbClr val="6AA84F"/>
                 </a:solidFill>
               </a:rPr>
               <a:t>Plant Pals </a:t>
             </a:r>
-            <a:endParaRPr sz="5200" b="1">
+            <a:endParaRPr sz="5200" b="1" dirty="0">
               <a:solidFill>
                 <a:srgbClr val="6AA84F"/>
               </a:solidFill>
@@ -6569,14 +10718,14 @@
               <a:buNone/>
             </a:pPr>
             <a:r>
-              <a:rPr lang="en" sz="5200" b="1">
+              <a:rPr lang="en" sz="5200" b="1" dirty="0">
                 <a:solidFill>
                   <a:srgbClr val="6AA84F"/>
                 </a:solidFill>
               </a:rPr>
               <a:t>Customer Survey Results</a:t>
             </a:r>
-            <a:endParaRPr sz="5200" b="1">
+            <a:endParaRPr sz="5200" b="1" dirty="0">
               <a:solidFill>
                 <a:srgbClr val="6AA84F"/>
               </a:solidFill>
@@ -6620,8 +10769,8 @@
         </p:nvSpPr>
         <p:spPr>
           <a:xfrm>
-            <a:off x="1020250" y="3833850"/>
-            <a:ext cx="7291800" cy="965400"/>
+            <a:off x="448759" y="3266477"/>
+            <a:ext cx="8434782" cy="312375"/>
           </a:xfrm>
           <a:prstGeom prst="rect">
             <a:avLst/>
@@ -6637,36 +10786,268 @@
           </a:bodyPr>
           <a:lstStyle/>
           <a:p>
-            <a:pPr marL="0" lvl="0" indent="0" algn="ctr" rtl="0">
+            <a:pPr lvl="0" algn="ctr">
               <a:lnSpc>
                 <a:spcPct val="115000"/>
               </a:lnSpc>
-              <a:spcBef>
-                <a:spcPts val="0"/>
-              </a:spcBef>
-              <a:spcAft>
-                <a:spcPts val="0"/>
-              </a:spcAft>
-              <a:buClr>
-                <a:srgbClr val="000000"/>
-              </a:buClr>
               <a:buSzPts val="1100"/>
-              <a:buFont typeface="Arial"/>
-              <a:buNone/>
             </a:pPr>
             <a:r>
-              <a:rPr lang="en" sz="1200" dirty="0">
+              <a:rPr lang="en-IN" sz="1100" dirty="0">
                 <a:solidFill>
-                  <a:srgbClr val="595959"/>
+                  <a:schemeClr val="accent5">
+                    <a:lumMod val="50000"/>
+                  </a:schemeClr>
                 </a:solidFill>
               </a:rPr>
-              <a:t>[Insert survey summary here]</a:t>
+              <a:t>C</a:t>
             </a:r>
-            <a:endParaRPr sz="1200" i="1" dirty="0">
-              <a:solidFill>
-                <a:srgbClr val="595959"/>
-              </a:solidFill>
-            </a:endParaRPr>
+            <a:r>
+              <a:rPr lang="en-IN" sz="1200" dirty="0">
+                <a:solidFill>
+                  <a:schemeClr val="accent5">
+                    <a:lumMod val="50000"/>
+                  </a:schemeClr>
+                </a:solidFill>
+              </a:rPr>
+              <a:t>ustomer satisfaction insight and key takeaways from latest survey</a:t>
+            </a:r>
+          </a:p>
+        </p:txBody>
+      </p:sp>
+      <p:sp>
+        <p:nvSpPr>
+          <p:cNvPr id="2" name="TextBox 1">
+            <a:extLst>
+              <a:ext uri="{FF2B5EF4-FFF2-40B4-BE49-F238E27FC236}">
+                <a16:creationId xmlns:a16="http://schemas.microsoft.com/office/drawing/2014/main" id="{6B288976-8860-2C38-2A4F-B8F5954209E9}"/>
+              </a:ext>
+            </a:extLst>
+          </p:cNvPr>
+          <p:cNvSpPr txBox="1"/>
+          <p:nvPr/>
+        </p:nvSpPr>
+        <p:spPr>
+          <a:xfrm>
+            <a:off x="729876" y="3552451"/>
+            <a:ext cx="1942789" cy="643574"/>
+          </a:xfrm>
+          <a:prstGeom prst="rect">
+            <a:avLst/>
+          </a:prstGeom>
+          <a:noFill/>
+        </p:spPr>
+        <p:txBody>
+          <a:bodyPr wrap="square" rtlCol="0">
+            <a:spAutoFit/>
+          </a:bodyPr>
+          <a:lstStyle/>
+          <a:p>
+            <a:pPr lvl="0">
+              <a:lnSpc>
+                <a:spcPct val="115000"/>
+              </a:lnSpc>
+              <a:buSzPts val="1100"/>
+            </a:pPr>
+            <a:r>
+              <a:rPr lang="en-IN" sz="1200" u="sng" dirty="0">
+                <a:solidFill>
+                  <a:srgbClr val="0070C0"/>
+                </a:solidFill>
+              </a:rPr>
+              <a:t>Survey parameters</a:t>
+            </a:r>
+          </a:p>
+          <a:p>
+            <a:pPr marL="171450" lvl="0" indent="-171450">
+              <a:lnSpc>
+                <a:spcPct val="115000"/>
+              </a:lnSpc>
+              <a:buSzPts val="1100"/>
+              <a:buFont typeface="Wingdings" pitchFamily="2" charset="2"/>
+              <a:buChar char="Ø"/>
+            </a:pPr>
+            <a:r>
+              <a:rPr lang="en-IN" sz="1000" dirty="0"/>
+              <a:t>50 customers surveyed</a:t>
+            </a:r>
+          </a:p>
+          <a:p>
+            <a:pPr marL="171450" lvl="0" indent="-171450">
+              <a:lnSpc>
+                <a:spcPct val="115000"/>
+              </a:lnSpc>
+              <a:buSzPts val="1100"/>
+              <a:buFont typeface="Wingdings" pitchFamily="2" charset="2"/>
+              <a:buChar char="Ø"/>
+            </a:pPr>
+            <a:r>
+              <a:rPr lang="en-IN" sz="1000" dirty="0"/>
+              <a:t>Surveyed for 4 weeks</a:t>
+            </a:r>
+          </a:p>
+        </p:txBody>
+      </p:sp>
+      <p:sp>
+        <p:nvSpPr>
+          <p:cNvPr id="3" name="TextBox 2">
+            <a:extLst>
+              <a:ext uri="{FF2B5EF4-FFF2-40B4-BE49-F238E27FC236}">
+                <a16:creationId xmlns:a16="http://schemas.microsoft.com/office/drawing/2014/main" id="{5284C8C9-EB74-DEE2-0445-CEF30D891903}"/>
+              </a:ext>
+            </a:extLst>
+          </p:cNvPr>
+          <p:cNvSpPr txBox="1"/>
+          <p:nvPr/>
+        </p:nvSpPr>
+        <p:spPr>
+          <a:xfrm>
+            <a:off x="2710265" y="3543000"/>
+            <a:ext cx="2569332" cy="820546"/>
+          </a:xfrm>
+          <a:prstGeom prst="rect">
+            <a:avLst/>
+          </a:prstGeom>
+          <a:noFill/>
+        </p:spPr>
+        <p:txBody>
+          <a:bodyPr wrap="square" rtlCol="0">
+            <a:spAutoFit/>
+          </a:bodyPr>
+          <a:lstStyle/>
+          <a:p>
+            <a:pPr>
+              <a:lnSpc>
+                <a:spcPct val="115000"/>
+              </a:lnSpc>
+              <a:buSzPts val="1100"/>
+            </a:pPr>
+            <a:r>
+              <a:rPr lang="en-IN" sz="1200" u="sng" dirty="0">
+                <a:solidFill>
+                  <a:srgbClr val="0070C0"/>
+                </a:solidFill>
+              </a:rPr>
+              <a:t>Key issues from survey</a:t>
+            </a:r>
+          </a:p>
+          <a:p>
+            <a:pPr marL="171450" lvl="8" indent="-171450">
+              <a:lnSpc>
+                <a:spcPct val="115000"/>
+              </a:lnSpc>
+              <a:buSzPts val="1100"/>
+              <a:buFont typeface="Wingdings" pitchFamily="2" charset="2"/>
+              <a:buChar char="q"/>
+            </a:pPr>
+            <a:r>
+              <a:rPr lang="en-IN" sz="1000" dirty="0"/>
+              <a:t>product quality</a:t>
+            </a:r>
+          </a:p>
+          <a:p>
+            <a:pPr marL="171450" lvl="6" indent="-171450">
+              <a:lnSpc>
+                <a:spcPct val="115000"/>
+              </a:lnSpc>
+              <a:buSzPts val="1100"/>
+              <a:buFont typeface="Wingdings" pitchFamily="2" charset="2"/>
+              <a:buChar char="q"/>
+            </a:pPr>
+            <a:r>
+              <a:rPr lang="en-IN" sz="1000" dirty="0"/>
+              <a:t>delivery timelines</a:t>
+            </a:r>
+          </a:p>
+          <a:p>
+            <a:pPr marL="171450" lvl="6" indent="-171450">
+              <a:lnSpc>
+                <a:spcPct val="115000"/>
+              </a:lnSpc>
+              <a:buSzPts val="1100"/>
+              <a:buFont typeface="Wingdings" pitchFamily="2" charset="2"/>
+              <a:buChar char="q"/>
+            </a:pPr>
+            <a:r>
+              <a:rPr lang="en-IN" sz="1000" dirty="0"/>
+              <a:t>customer support</a:t>
+            </a:r>
+            <a:endParaRPr lang="en-US" dirty="0"/>
+          </a:p>
+        </p:txBody>
+      </p:sp>
+      <p:sp>
+        <p:nvSpPr>
+          <p:cNvPr id="11" name="TextBox 10">
+            <a:extLst>
+              <a:ext uri="{FF2B5EF4-FFF2-40B4-BE49-F238E27FC236}">
+                <a16:creationId xmlns:a16="http://schemas.microsoft.com/office/drawing/2014/main" id="{5D0C944D-188B-EF51-BEA5-A9571AC4CD8E}"/>
+              </a:ext>
+            </a:extLst>
+          </p:cNvPr>
+          <p:cNvSpPr txBox="1"/>
+          <p:nvPr/>
+        </p:nvSpPr>
+        <p:spPr>
+          <a:xfrm>
+            <a:off x="4777181" y="3547460"/>
+            <a:ext cx="4171683" cy="766364"/>
+          </a:xfrm>
+          <a:prstGeom prst="rect">
+            <a:avLst/>
+          </a:prstGeom>
+          <a:noFill/>
+        </p:spPr>
+        <p:txBody>
+          <a:bodyPr wrap="square" rtlCol="0" anchor="b">
+            <a:spAutoFit/>
+          </a:bodyPr>
+          <a:lstStyle/>
+          <a:p>
+            <a:pPr lvl="0">
+              <a:lnSpc>
+                <a:spcPct val="115000"/>
+              </a:lnSpc>
+              <a:buSzPts val="1100"/>
+            </a:pPr>
+            <a:r>
+              <a:rPr lang="en-IN" sz="1200" u="sng" dirty="0">
+                <a:solidFill>
+                  <a:srgbClr val="0070C0"/>
+                </a:solidFill>
+              </a:rPr>
+              <a:t>Key actions</a:t>
+            </a:r>
+          </a:p>
+          <a:p>
+            <a:pPr marL="171450" indent="-171450">
+              <a:buFont typeface="Wingdings" pitchFamily="2" charset="2"/>
+              <a:buChar char="ü"/>
+            </a:pPr>
+            <a:r>
+              <a:rPr lang="en-IN" sz="1000" dirty="0"/>
+              <a:t>Sent customers e-newsletter with plant caring tutorial</a:t>
+            </a:r>
+          </a:p>
+          <a:p>
+            <a:pPr marL="171450" indent="-171450">
+              <a:buFont typeface="Wingdings" pitchFamily="2" charset="2"/>
+              <a:buChar char="ü"/>
+            </a:pPr>
+            <a:r>
+              <a:rPr lang="en-IN" sz="1000" dirty="0"/>
+              <a:t>On-time delivery improved from 80 to 95%</a:t>
+            </a:r>
+          </a:p>
+          <a:p>
+            <a:pPr marL="171450" indent="-171450">
+              <a:buFont typeface="Wingdings" pitchFamily="2" charset="2"/>
+              <a:buChar char="ü"/>
+            </a:pPr>
+            <a:r>
+              <a:rPr lang="en-IN" sz="1000" dirty="0"/>
+              <a:t>Upgraded software and reduced requests and complaints by 70%</a:t>
+            </a:r>
           </a:p>
         </p:txBody>
       </p:sp>
@@ -6897,8 +11278,8 @@
         </p:blipFill>
         <p:spPr>
           <a:xfrm>
-            <a:off x="8261175" y="4418100"/>
-            <a:ext cx="719250" cy="526300"/>
+            <a:off x="8304025" y="4418100"/>
+            <a:ext cx="676400" cy="526300"/>
           </a:xfrm>
           <a:prstGeom prst="rect">
             <a:avLst/>
@@ -6957,64 +11338,14 @@
       </p:sp>
       <p:sp>
         <p:nvSpPr>
-          <p:cNvPr id="78" name="Google Shape;78;p15"/>
-          <p:cNvSpPr txBox="1"/>
-          <p:nvPr/>
-        </p:nvSpPr>
-        <p:spPr>
-          <a:xfrm>
-            <a:off x="3398625" y="2256925"/>
-            <a:ext cx="2374800" cy="346500"/>
-          </a:xfrm>
-          <a:prstGeom prst="rect">
-            <a:avLst/>
-          </a:prstGeom>
-          <a:noFill/>
-          <a:ln>
-            <a:noFill/>
-          </a:ln>
-        </p:spPr>
-        <p:txBody>
-          <a:bodyPr spcFirstLastPara="1" wrap="square" lIns="91425" tIns="91425" rIns="91425" bIns="91425" anchor="t" anchorCtr="0">
-            <a:noAutofit/>
-          </a:bodyPr>
-          <a:lstStyle/>
-          <a:p>
-            <a:pPr marL="0" lvl="0" indent="0" algn="ctr" rtl="0">
-              <a:spcBef>
-                <a:spcPts val="0"/>
-              </a:spcBef>
-              <a:spcAft>
-                <a:spcPts val="0"/>
-              </a:spcAft>
-              <a:buNone/>
-            </a:pPr>
-            <a:r>
-              <a:rPr lang="en">
-                <a:solidFill>
-                  <a:schemeClr val="dk2"/>
-                </a:solidFill>
-              </a:rPr>
-              <a:t>[Insert chart or graph here]</a:t>
-            </a:r>
-            <a:endParaRPr>
-              <a:solidFill>
-                <a:schemeClr val="dk2"/>
-              </a:solidFill>
-            </a:endParaRPr>
-          </a:p>
-        </p:txBody>
-      </p:sp>
-      <p:sp>
-        <p:nvSpPr>
           <p:cNvPr id="79" name="Google Shape;79;p15"/>
           <p:cNvSpPr txBox="1"/>
           <p:nvPr/>
         </p:nvSpPr>
         <p:spPr>
           <a:xfrm>
-            <a:off x="910825" y="4253825"/>
-            <a:ext cx="7393200" cy="369300"/>
+            <a:off x="179217" y="4177217"/>
+            <a:ext cx="8463008" cy="738633"/>
           </a:xfrm>
           <a:prstGeom prst="rect">
             <a:avLst/>
@@ -7040,7 +11371,7 @@
               <a:buNone/>
             </a:pPr>
             <a:r>
-              <a:rPr lang="en" sz="1200" b="1" i="1">
+              <a:rPr lang="en" sz="1200" b="1" i="1" dirty="0">
                 <a:solidFill>
                   <a:srgbClr val="274E13"/>
                 </a:solidFill>
@@ -7048,7 +11379,7 @@
               <a:t>Key takeaways &amp; action items</a:t>
             </a:r>
             <a:r>
-              <a:rPr lang="en" sz="1200">
+              <a:rPr lang="en" sz="1200" dirty="0">
                 <a:solidFill>
                   <a:srgbClr val="274E13"/>
                 </a:solidFill>
@@ -7056,21 +11387,96 @@
               <a:t>:</a:t>
             </a:r>
             <a:r>
-              <a:rPr lang="en" sz="1200">
+              <a:rPr lang="en" sz="1200" dirty="0">
                 <a:solidFill>
                   <a:srgbClr val="38761D"/>
                 </a:solidFill>
               </a:rPr>
               <a:t> </a:t>
             </a:r>
-            <a:endParaRPr sz="1200">
-              <a:solidFill>
-                <a:srgbClr val="38761D"/>
-              </a:solidFill>
-            </a:endParaRPr>
+          </a:p>
+          <a:p>
+            <a:r>
+              <a:rPr lang="en" sz="1200" dirty="0">
+                <a:solidFill>
+                  <a:srgbClr val="38761D"/>
+                </a:solidFill>
+              </a:rPr>
+              <a:t>Tactical solution: </a:t>
+            </a:r>
+            <a:r>
+              <a:rPr lang="en-IN" sz="1000" dirty="0"/>
+              <a:t>Hired more delivery drivers and reassessed delivery routes with the goal of bringing the on-time delivery rate from 80% to 95%</a:t>
+            </a:r>
+          </a:p>
+          <a:p>
+            <a:pPr marL="0" lvl="0" indent="0" algn="l" rtl="0">
+              <a:spcBef>
+                <a:spcPts val="0"/>
+              </a:spcBef>
+              <a:spcAft>
+                <a:spcPts val="0"/>
+              </a:spcAft>
+              <a:buNone/>
+            </a:pPr>
+            <a:r>
+              <a:rPr lang="en" sz="1200" dirty="0">
+                <a:solidFill>
+                  <a:srgbClr val="38761D"/>
+                </a:solidFill>
+              </a:rPr>
+              <a:t>Strategic action: </a:t>
+            </a:r>
+            <a:r>
+              <a:rPr lang="en" sz="1000" dirty="0"/>
+              <a:t>Create a weekly tracking of delivery time and reassess the routes acc</a:t>
+            </a:r>
+            <a:r>
+              <a:rPr lang="en-IN" sz="1000" dirty="0"/>
+              <a:t>o</a:t>
+            </a:r>
+            <a:r>
+              <a:rPr lang="en" sz="1000" dirty="0" err="1"/>
+              <a:t>rdingly</a:t>
+            </a:r>
+            <a:r>
+              <a:rPr lang="en" sz="1000" dirty="0"/>
+              <a:t>.</a:t>
+            </a:r>
+            <a:endParaRPr sz="1000" dirty="0"/>
           </a:p>
         </p:txBody>
       </p:sp>
+      <p:graphicFrame>
+        <p:nvGraphicFramePr>
+          <p:cNvPr id="12" name="Chart 11">
+            <a:extLst>
+              <a:ext uri="{FF2B5EF4-FFF2-40B4-BE49-F238E27FC236}">
+                <a16:creationId xmlns:a16="http://schemas.microsoft.com/office/drawing/2014/main" id="{61443435-4D7A-F97B-9D72-F7996D67FB98}"/>
+              </a:ext>
+            </a:extLst>
+          </p:cNvPr>
+          <p:cNvGraphicFramePr>
+            <a:graphicFrameLocks/>
+          </p:cNvGraphicFramePr>
+          <p:nvPr>
+            <p:extLst>
+              <p:ext uri="{D42A27DB-BD31-4B8C-83A1-F6EECF244321}">
+                <p14:modId xmlns:p14="http://schemas.microsoft.com/office/powerpoint/2010/main" val="383633616"/>
+              </p:ext>
+            </p:extLst>
+          </p:nvPr>
+        </p:nvGraphicFramePr>
+        <p:xfrm>
+          <a:off x="1881330" y="758793"/>
+          <a:ext cx="5371422" cy="3378565"/>
+        </p:xfrm>
+        <a:graphic>
+          <a:graphicData uri="http://schemas.openxmlformats.org/drawingml/2006/chart">
+            <c:chart xmlns:c="http://schemas.openxmlformats.org/drawingml/2006/chart" xmlns:r="http://schemas.openxmlformats.org/officeDocument/2006/relationships" r:id="rId4"/>
+          </a:graphicData>
+        </a:graphic>
+      </p:graphicFrame>
     </p:spTree>
   </p:cSld>
   <p:clrMapOvr>
@@ -7331,8 +11737,8 @@
         </p:nvSpPr>
         <p:spPr>
           <a:xfrm>
-            <a:off x="910825" y="4253825"/>
-            <a:ext cx="7290000" cy="369300"/>
+            <a:off x="248900" y="4145855"/>
+            <a:ext cx="7290000" cy="523190"/>
           </a:xfrm>
           <a:prstGeom prst="rect">
             <a:avLst/>
@@ -7358,7 +11764,7 @@
               <a:buNone/>
             </a:pPr>
             <a:r>
-              <a:rPr lang="en" sz="1200" b="1" i="1">
+              <a:rPr lang="en" sz="1200" b="1" i="1" dirty="0">
                 <a:solidFill>
                   <a:srgbClr val="274E13"/>
                 </a:solidFill>
@@ -7366,18 +11772,25 @@
               <a:t>Key takeaways &amp; action items</a:t>
             </a:r>
             <a:r>
-              <a:rPr lang="en" sz="1200">
+              <a:rPr lang="en" sz="1200" dirty="0">
                 <a:solidFill>
                   <a:srgbClr val="274E13"/>
                 </a:solidFill>
               </a:rPr>
               <a:t>:</a:t>
             </a:r>
-            <a:endParaRPr sz="1200">
-              <a:solidFill>
-                <a:srgbClr val="38761D"/>
-              </a:solidFill>
-            </a:endParaRPr>
+          </a:p>
+          <a:p>
+            <a:pPr lvl="0"/>
+            <a:r>
+              <a:rPr lang="en" sz="1000" dirty="0"/>
+              <a:t>Schedule driver work time based on delivery time </a:t>
+            </a:r>
+            <a:r>
+              <a:rPr lang="en-US" sz="1000" dirty="0"/>
+              <a:t>and conduct customer survey in next 3 months</a:t>
+            </a:r>
+            <a:endParaRPr sz="1000" dirty="0"/>
           </a:p>
         </p:txBody>
       </p:sp>
@@ -7497,56 +11910,36 @@
           </a:p>
         </p:txBody>
       </p:sp>
-      <p:sp>
-        <p:nvSpPr>
-          <p:cNvPr id="92" name="Google Shape;92;p16"/>
-          <p:cNvSpPr txBox="1"/>
-          <p:nvPr/>
-        </p:nvSpPr>
-        <p:spPr>
-          <a:xfrm>
-            <a:off x="3398625" y="2256925"/>
-            <a:ext cx="2374800" cy="346500"/>
-          </a:xfrm>
-          <a:prstGeom prst="rect">
-            <a:avLst/>
-          </a:prstGeom>
-          <a:noFill/>
-          <a:ln>
-            <a:noFill/>
-          </a:ln>
-        </p:spPr>
-        <p:txBody>
-          <a:bodyPr spcFirstLastPara="1" wrap="square" lIns="91425" tIns="91425" rIns="91425" bIns="91425" anchor="t" anchorCtr="0">
-            <a:noAutofit/>
-          </a:bodyPr>
-          <a:lstStyle/>
-          <a:p>
-            <a:pPr marL="0" lvl="0" indent="0" algn="ctr" rtl="0">
-              <a:spcBef>
-                <a:spcPts val="0"/>
-              </a:spcBef>
-              <a:spcAft>
-                <a:spcPts val="0"/>
-              </a:spcAft>
-              <a:buNone/>
-            </a:pPr>
-            <a:r>
-              <a:rPr lang="en">
-                <a:solidFill>
-                  <a:schemeClr val="dk2"/>
-                </a:solidFill>
-              </a:rPr>
-              <a:t>[Insert chart or graph here]</a:t>
-            </a:r>
-            <a:endParaRPr>
-              <a:solidFill>
-                <a:schemeClr val="dk2"/>
-              </a:solidFill>
-            </a:endParaRPr>
-          </a:p>
-        </p:txBody>
-      </p:sp>
+      <p:graphicFrame>
+        <p:nvGraphicFramePr>
+          <p:cNvPr id="11" name="Chart 10">
+            <a:extLst>
+              <a:ext uri="{FF2B5EF4-FFF2-40B4-BE49-F238E27FC236}">
+                <a16:creationId xmlns:a16="http://schemas.microsoft.com/office/drawing/2014/main" id="{DF9E8EEE-5837-5788-0092-F3F86BDF2D8D}"/>
+              </a:ext>
+            </a:extLst>
+          </p:cNvPr>
+          <p:cNvGraphicFramePr>
+            <a:graphicFrameLocks/>
+          </p:cNvGraphicFramePr>
+          <p:nvPr>
+            <p:extLst>
+              <p:ext uri="{D42A27DB-BD31-4B8C-83A1-F6EECF244321}">
+                <p14:modId xmlns:p14="http://schemas.microsoft.com/office/powerpoint/2010/main" val="3704433884"/>
+              </p:ext>
+            </p:extLst>
+          </p:nvPr>
+        </p:nvGraphicFramePr>
+        <p:xfrm>
+          <a:off x="1867950" y="755183"/>
+          <a:ext cx="5408100" cy="3382975"/>
+        </p:xfrm>
+        <a:graphic>
+          <a:graphicData uri="http://schemas.openxmlformats.org/drawingml/2006/chart">
+            <c:chart xmlns:c="http://schemas.openxmlformats.org/drawingml/2006/chart" xmlns:r="http://schemas.openxmlformats.org/officeDocument/2006/relationships" r:id="rId4"/>
+          </a:graphicData>
+        </a:graphic>
+      </p:graphicFrame>
     </p:spTree>
   </p:cSld>
   <p:clrMapOvr>
@@ -7716,64 +12109,6 @@
           </a:p>
         </p:txBody>
       </p:sp>
-      <p:sp>
-        <p:nvSpPr>
-          <p:cNvPr id="101" name="Google Shape;101;p17"/>
-          <p:cNvSpPr txBox="1"/>
-          <p:nvPr/>
-        </p:nvSpPr>
-        <p:spPr>
-          <a:xfrm>
-            <a:off x="764425" y="4101425"/>
-            <a:ext cx="7622400" cy="369300"/>
-          </a:xfrm>
-          <a:prstGeom prst="rect">
-            <a:avLst/>
-          </a:prstGeom>
-          <a:noFill/>
-          <a:ln>
-            <a:noFill/>
-          </a:ln>
-        </p:spPr>
-        <p:txBody>
-          <a:bodyPr spcFirstLastPara="1" wrap="square" lIns="91425" tIns="91425" rIns="91425" bIns="91425" anchor="t" anchorCtr="0">
-            <a:spAutoFit/>
-          </a:bodyPr>
-          <a:lstStyle/>
-          <a:p>
-            <a:pPr marL="0" lvl="0" indent="0" algn="l" rtl="0">
-              <a:spcBef>
-                <a:spcPts val="0"/>
-              </a:spcBef>
-              <a:spcAft>
-                <a:spcPts val="0"/>
-              </a:spcAft>
-              <a:buNone/>
-            </a:pPr>
-            <a:r>
-              <a:rPr lang="en" sz="1200" b="1" i="1">
-                <a:solidFill>
-                  <a:srgbClr val="274E13"/>
-                </a:solidFill>
-              </a:rPr>
-              <a:t>Key takeaways &amp; action items</a:t>
-            </a:r>
-            <a:r>
-              <a:rPr lang="en" sz="1200">
-                <a:solidFill>
-                  <a:srgbClr val="274E13"/>
-                </a:solidFill>
-              </a:rPr>
-              <a:t>: </a:t>
-            </a:r>
-            <a:endParaRPr sz="1200">
-              <a:solidFill>
-                <a:srgbClr val="38761D"/>
-              </a:solidFill>
-            </a:endParaRPr>
-          </a:p>
-        </p:txBody>
-      </p:sp>
       <p:pic>
         <p:nvPicPr>
           <p:cNvPr id="102" name="Google Shape;102;p17"/>
@@ -7902,16 +12237,52 @@
           </a:p>
         </p:txBody>
       </p:sp>
+      <p:graphicFrame>
+        <p:nvGraphicFramePr>
+          <p:cNvPr id="12" name="Chart 11">
+            <a:extLst>
+              <a:ext uri="{FF2B5EF4-FFF2-40B4-BE49-F238E27FC236}">
+                <a16:creationId xmlns:a16="http://schemas.microsoft.com/office/drawing/2014/main" id="{CA5764B5-F62A-81AC-98DF-93283ABA64F8}"/>
+              </a:ext>
+            </a:extLst>
+          </p:cNvPr>
+          <p:cNvGraphicFramePr>
+            <a:graphicFrameLocks/>
+          </p:cNvGraphicFramePr>
+          <p:nvPr>
+            <p:extLst>
+              <p:ext uri="{D42A27DB-BD31-4B8C-83A1-F6EECF244321}">
+                <p14:modId xmlns:p14="http://schemas.microsoft.com/office/powerpoint/2010/main" val="2018831100"/>
+              </p:ext>
+            </p:extLst>
+          </p:nvPr>
+        </p:nvGraphicFramePr>
+        <p:xfrm>
+          <a:off x="1867950" y="749587"/>
+          <a:ext cx="5408100" cy="3397799"/>
+        </p:xfrm>
+        <a:graphic>
+          <a:graphicData uri="http://schemas.openxmlformats.org/drawingml/2006/chart">
+            <c:chart xmlns:c="http://schemas.openxmlformats.org/drawingml/2006/chart" xmlns:r="http://schemas.openxmlformats.org/officeDocument/2006/relationships" r:id="rId4"/>
+          </a:graphicData>
+        </a:graphic>
+      </p:graphicFrame>
       <p:sp>
         <p:nvSpPr>
-          <p:cNvPr id="11" name="Google Shape;92;p16"/>
+          <p:cNvPr id="13" name="Google Shape;79;p15">
+            <a:extLst>
+              <a:ext uri="{FF2B5EF4-FFF2-40B4-BE49-F238E27FC236}">
+                <a16:creationId xmlns:a16="http://schemas.microsoft.com/office/drawing/2014/main" id="{CBCEA74A-9A20-1C84-1607-D6901A5570F9}"/>
+              </a:ext>
+            </a:extLst>
+          </p:cNvPr>
           <p:cNvSpPr txBox="1"/>
           <p:nvPr/>
         </p:nvSpPr>
         <p:spPr>
           <a:xfrm>
-            <a:off x="3398625" y="2256925"/>
-            <a:ext cx="2374800" cy="346500"/>
+            <a:off x="461660" y="4147386"/>
+            <a:ext cx="8220680" cy="738633"/>
           </a:xfrm>
           <a:prstGeom prst="rect">
             <a:avLst/>
@@ -7923,11 +12294,11 @@
         </p:spPr>
         <p:txBody>
           <a:bodyPr spcFirstLastPara="1" wrap="square" lIns="91425" tIns="91425" rIns="91425" bIns="91425" anchor="t" anchorCtr="0">
-            <a:noAutofit/>
+            <a:spAutoFit/>
           </a:bodyPr>
           <a:lstStyle/>
           <a:p>
-            <a:pPr marL="0" lvl="0" indent="0" algn="ctr" rtl="0">
+            <a:pPr marL="0" lvl="0" indent="0" algn="l" rtl="0">
               <a:spcBef>
                 <a:spcPts val="0"/>
               </a:spcBef>
@@ -7937,18 +12308,71 @@
               <a:buNone/>
             </a:pPr>
             <a:r>
-              <a:rPr lang="en">
+              <a:rPr lang="en" sz="1200" b="1" i="1" dirty="0">
                 <a:solidFill>
-                  <a:schemeClr val="dk2"/>
+                  <a:srgbClr val="274E13"/>
                 </a:solidFill>
               </a:rPr>
-              <a:t>[Insert chart or graph here]</a:t>
+              <a:t>Key takeaways &amp; action items</a:t>
             </a:r>
-            <a:endParaRPr>
-              <a:solidFill>
-                <a:schemeClr val="dk2"/>
-              </a:solidFill>
-            </a:endParaRPr>
+            <a:r>
+              <a:rPr lang="en" sz="1200" dirty="0">
+                <a:solidFill>
+                  <a:srgbClr val="274E13"/>
+                </a:solidFill>
+              </a:rPr>
+              <a:t>:</a:t>
+            </a:r>
+            <a:r>
+              <a:rPr lang="en" sz="1200" dirty="0">
+                <a:solidFill>
+                  <a:srgbClr val="38761D"/>
+                </a:solidFill>
+              </a:rPr>
+              <a:t> </a:t>
+            </a:r>
+          </a:p>
+          <a:p>
+            <a:r>
+              <a:rPr lang="en" sz="1200" dirty="0">
+                <a:solidFill>
+                  <a:srgbClr val="38761D"/>
+                </a:solidFill>
+              </a:rPr>
+              <a:t>Tactical solution: </a:t>
+            </a:r>
+            <a:r>
+              <a:rPr lang="en-IN" sz="1000" dirty="0"/>
+              <a:t>Fixed a software issue that resulted in the customer relations team receiving only 30% of requests and complaints</a:t>
+            </a:r>
+          </a:p>
+          <a:p>
+            <a:pPr marL="0" lvl="0" indent="0" algn="l" rtl="0">
+              <a:spcBef>
+                <a:spcPts val="0"/>
+              </a:spcBef>
+              <a:spcAft>
+                <a:spcPts val="0"/>
+              </a:spcAft>
+              <a:buNone/>
+            </a:pPr>
+            <a:r>
+              <a:rPr lang="en" sz="1200" dirty="0">
+                <a:solidFill>
+                  <a:srgbClr val="38761D"/>
+                </a:solidFill>
+              </a:rPr>
+              <a:t>Strategic action: </a:t>
+            </a:r>
+            <a:r>
+              <a:rPr lang="en-US" sz="1000" dirty="0"/>
+              <a:t>Add monitoring tool for better tracking of software performance and conduct customer survey in next 3 months</a:t>
+            </a:r>
+            <a:r>
+              <a:rPr lang="en" sz="1000" dirty="0"/>
+              <a:t>.</a:t>
+            </a:r>
+            <a:endParaRPr sz="1000" dirty="0"/>
           </a:p>
         </p:txBody>
       </p:sp>
@@ -8121,72 +12545,6 @@
           </a:p>
         </p:txBody>
       </p:sp>
-      <p:sp>
-        <p:nvSpPr>
-          <p:cNvPr id="113" name="Google Shape;113;p18"/>
-          <p:cNvSpPr txBox="1"/>
-          <p:nvPr/>
-        </p:nvSpPr>
-        <p:spPr>
-          <a:xfrm>
-            <a:off x="869100" y="4253825"/>
-            <a:ext cx="7488000" cy="369300"/>
-          </a:xfrm>
-          <a:prstGeom prst="rect">
-            <a:avLst/>
-          </a:prstGeom>
-          <a:noFill/>
-          <a:ln>
-            <a:noFill/>
-          </a:ln>
-        </p:spPr>
-        <p:txBody>
-          <a:bodyPr spcFirstLastPara="1" wrap="square" lIns="91425" tIns="91425" rIns="91425" bIns="91425" anchor="t" anchorCtr="0">
-            <a:spAutoFit/>
-          </a:bodyPr>
-          <a:lstStyle/>
-          <a:p>
-            <a:pPr marL="0" lvl="0" indent="0" algn="l" rtl="0">
-              <a:spcBef>
-                <a:spcPts val="0"/>
-              </a:spcBef>
-              <a:spcAft>
-                <a:spcPts val="0"/>
-              </a:spcAft>
-              <a:buNone/>
-            </a:pPr>
-            <a:r>
-              <a:rPr lang="en" sz="1200" b="1" i="1">
-                <a:solidFill>
-                  <a:srgbClr val="274E13"/>
-                </a:solidFill>
-              </a:rPr>
-              <a:t>Key takeaways &amp; action items</a:t>
-            </a:r>
-            <a:r>
-              <a:rPr lang="en" sz="1200">
-                <a:solidFill>
-                  <a:srgbClr val="274E13"/>
-                </a:solidFill>
-              </a:rPr>
-              <a:t>:</a:t>
-            </a:r>
-            <a:r>
-              <a:rPr lang="en" sz="1200">
-                <a:solidFill>
-                  <a:srgbClr val="38761D"/>
-                </a:solidFill>
-              </a:rPr>
-              <a:t> </a:t>
-            </a:r>
-            <a:endParaRPr sz="1200">
-              <a:solidFill>
-                <a:srgbClr val="38761D"/>
-              </a:solidFill>
-            </a:endParaRPr>
-          </a:p>
-        </p:txBody>
-      </p:sp>
       <p:pic>
         <p:nvPicPr>
           <p:cNvPr id="114" name="Google Shape;114;p18"/>
@@ -8263,56 +12621,6 @@
       </p:sp>
       <p:sp>
         <p:nvSpPr>
-          <p:cNvPr id="116" name="Google Shape;116;p18"/>
-          <p:cNvSpPr txBox="1"/>
-          <p:nvPr/>
-        </p:nvSpPr>
-        <p:spPr>
-          <a:xfrm>
-            <a:off x="3398625" y="2256925"/>
-            <a:ext cx="2374800" cy="346500"/>
-          </a:xfrm>
-          <a:prstGeom prst="rect">
-            <a:avLst/>
-          </a:prstGeom>
-          <a:noFill/>
-          <a:ln>
-            <a:noFill/>
-          </a:ln>
-        </p:spPr>
-        <p:txBody>
-          <a:bodyPr spcFirstLastPara="1" wrap="square" lIns="91425" tIns="91425" rIns="91425" bIns="91425" anchor="t" anchorCtr="0">
-            <a:noAutofit/>
-          </a:bodyPr>
-          <a:lstStyle/>
-          <a:p>
-            <a:pPr marL="0" lvl="0" indent="0" algn="ctr" rtl="0">
-              <a:spcBef>
-                <a:spcPts val="0"/>
-              </a:spcBef>
-              <a:spcAft>
-                <a:spcPts val="0"/>
-              </a:spcAft>
-              <a:buNone/>
-            </a:pPr>
-            <a:r>
-              <a:rPr lang="en">
-                <a:solidFill>
-                  <a:schemeClr val="dk2"/>
-                </a:solidFill>
-              </a:rPr>
-              <a:t>[Insert chart or graph here]</a:t>
-            </a:r>
-            <a:endParaRPr>
-              <a:solidFill>
-                <a:schemeClr val="dk2"/>
-              </a:solidFill>
-            </a:endParaRPr>
-          </a:p>
-        </p:txBody>
-      </p:sp>
-      <p:sp>
-        <p:nvSpPr>
           <p:cNvPr id="117" name="Google Shape;117;p18"/>
           <p:cNvSpPr txBox="1"/>
           <p:nvPr/>
@@ -8354,6 +12662,132 @@
               <a:t>In general, how do you suggest we improve our customer support?</a:t>
             </a:r>
             <a:endParaRPr sz="1500"/>
+          </a:p>
+        </p:txBody>
+      </p:sp>
+      <p:graphicFrame>
+        <p:nvGraphicFramePr>
+          <p:cNvPr id="12" name="Chart 11">
+            <a:extLst>
+              <a:ext uri="{FF2B5EF4-FFF2-40B4-BE49-F238E27FC236}">
+                <a16:creationId xmlns:a16="http://schemas.microsoft.com/office/drawing/2014/main" id="{8CBC2C8E-AD71-25B8-C958-BA55ACB00F34}"/>
+              </a:ext>
+            </a:extLst>
+          </p:cNvPr>
+          <p:cNvGraphicFramePr>
+            <a:graphicFrameLocks/>
+          </p:cNvGraphicFramePr>
+          <p:nvPr>
+            <p:extLst>
+              <p:ext uri="{D42A27DB-BD31-4B8C-83A1-F6EECF244321}">
+                <p14:modId xmlns:p14="http://schemas.microsoft.com/office/powerpoint/2010/main" val="1047376770"/>
+              </p:ext>
+            </p:extLst>
+          </p:nvPr>
+        </p:nvGraphicFramePr>
+        <p:xfrm>
+          <a:off x="1867950" y="749588"/>
+          <a:ext cx="5408100" cy="3392230"/>
+        </p:xfrm>
+        <a:graphic>
+          <a:graphicData uri="http://schemas.openxmlformats.org/drawingml/2006/chart">
+            <c:chart xmlns:c="http://schemas.openxmlformats.org/drawingml/2006/chart" xmlns:r="http://schemas.openxmlformats.org/officeDocument/2006/relationships" r:id="rId4"/>
+          </a:graphicData>
+        </a:graphic>
+      </p:graphicFrame>
+      <p:sp>
+        <p:nvSpPr>
+          <p:cNvPr id="13" name="Google Shape;79;p15">
+            <a:extLst>
+              <a:ext uri="{FF2B5EF4-FFF2-40B4-BE49-F238E27FC236}">
+                <a16:creationId xmlns:a16="http://schemas.microsoft.com/office/drawing/2014/main" id="{3A198AED-DE7A-EB75-2229-48AD9AB972EE}"/>
+              </a:ext>
+            </a:extLst>
+          </p:cNvPr>
+          <p:cNvSpPr txBox="1"/>
+          <p:nvPr/>
+        </p:nvSpPr>
+        <p:spPr>
+          <a:xfrm>
+            <a:off x="179217" y="4177217"/>
+            <a:ext cx="8463008" cy="738633"/>
+          </a:xfrm>
+          <a:prstGeom prst="rect">
+            <a:avLst/>
+          </a:prstGeom>
+          <a:noFill/>
+          <a:ln>
+            <a:noFill/>
+          </a:ln>
+        </p:spPr>
+        <p:txBody>
+          <a:bodyPr spcFirstLastPara="1" wrap="square" lIns="91425" tIns="91425" rIns="91425" bIns="91425" anchor="t" anchorCtr="0">
+            <a:spAutoFit/>
+          </a:bodyPr>
+          <a:lstStyle/>
+          <a:p>
+            <a:pPr marL="0" lvl="0" indent="0" algn="l" rtl="0">
+              <a:spcBef>
+                <a:spcPts val="0"/>
+              </a:spcBef>
+              <a:spcAft>
+                <a:spcPts val="0"/>
+              </a:spcAft>
+              <a:buNone/>
+            </a:pPr>
+            <a:r>
+              <a:rPr lang="en" sz="1200" b="1" i="1" dirty="0">
+                <a:solidFill>
+                  <a:srgbClr val="274E13"/>
+                </a:solidFill>
+              </a:rPr>
+              <a:t>Key takeaways &amp; action items</a:t>
+            </a:r>
+            <a:r>
+              <a:rPr lang="en" sz="1200" dirty="0">
+                <a:solidFill>
+                  <a:srgbClr val="274E13"/>
+                </a:solidFill>
+              </a:rPr>
+              <a:t>:</a:t>
+            </a:r>
+            <a:r>
+              <a:rPr lang="en" sz="1200" dirty="0">
+                <a:solidFill>
+                  <a:srgbClr val="38761D"/>
+                </a:solidFill>
+              </a:rPr>
+              <a:t> </a:t>
+            </a:r>
+          </a:p>
+          <a:p>
+            <a:r>
+              <a:rPr lang="en" sz="1200" dirty="0">
+                <a:solidFill>
+                  <a:srgbClr val="38761D"/>
+                </a:solidFill>
+              </a:rPr>
+              <a:t>Tactical solution: </a:t>
+            </a:r>
+            <a:r>
+              <a:rPr lang="en-IN" sz="1000" dirty="0"/>
+              <a:t>Sent customers an e-newsletter with a tutorial on caring for their plants</a:t>
+            </a:r>
+          </a:p>
+          <a:p>
+            <a:r>
+              <a:rPr lang="en" sz="1200" dirty="0">
+                <a:solidFill>
+                  <a:srgbClr val="38761D"/>
+                </a:solidFill>
+              </a:rPr>
+              <a:t>Strategic action:  </a:t>
+            </a:r>
+            <a:r>
+              <a:rPr lang="en-US" sz="1000" dirty="0"/>
+              <a:t>Plan for AI based plant care guidance to provide live support.</a:t>
+            </a:r>
+            <a:endParaRPr sz="1000" dirty="0"/>
           </a:p>
         </p:txBody>
       </p:sp>
@@ -8539,18 +12973,126 @@
           <a:lstStyle/>
           <a:p>
             <a:pPr marL="0" lvl="0" indent="0" algn="l" rtl="0">
+              <a:spcBef>
+                <a:spcPts val="0"/>
+              </a:spcBef>
+              <a:spcAft>
+                <a:spcPts val="1600"/>
+              </a:spcAft>
+              <a:buNone/>
+            </a:pPr>
+            <a:r>
+              <a:rPr lang="en-US" sz="1300" i="1" u="sng" dirty="0">
+                <a:solidFill>
+                  <a:srgbClr val="38761D"/>
+                </a:solidFill>
+              </a:rPr>
+              <a:t>Key status update</a:t>
+            </a:r>
+          </a:p>
+          <a:p>
+            <a:pPr marL="285750" lvl="2" indent="-285750">
               <a:lnSpc>
                 <a:spcPct val="115000"/>
               </a:lnSpc>
-              <a:spcBef>
-                <a:spcPts val="0"/>
-              </a:spcBef>
               <a:spcAft>
                 <a:spcPts val="1600"/>
               </a:spcAft>
-              <a:buNone/>
+              <a:buFont typeface="Wingdings" pitchFamily="2" charset="2"/>
+              <a:buChar char="ü"/>
             </a:pPr>
-            <a:endParaRPr sz="1300">
+            <a:r>
+              <a:rPr lang="en-US" sz="1300" dirty="0">
+                <a:solidFill>
+                  <a:srgbClr val="38761D"/>
+                </a:solidFill>
+              </a:rPr>
+              <a:t>Immediate actions gave strong positive outcome resulting to improved customer experience.</a:t>
+            </a:r>
+          </a:p>
+          <a:p>
+            <a:pPr marL="0" lvl="0" indent="0" algn="l" rtl="0">
+              <a:lnSpc>
+                <a:spcPct val="115000"/>
+              </a:lnSpc>
+              <a:spcBef>
+                <a:spcPts val="0"/>
+              </a:spcBef>
+              <a:spcAft>
+                <a:spcPts val="1600"/>
+              </a:spcAft>
+              <a:buNone/>
+            </a:pPr>
+            <a:r>
+              <a:rPr lang="en-US" sz="1300" i="1" u="sng" dirty="0">
+                <a:solidFill>
+                  <a:srgbClr val="38761D"/>
+                </a:solidFill>
+              </a:rPr>
+              <a:t>Next actions to be considered for continued monitoring  </a:t>
+            </a:r>
+          </a:p>
+          <a:p>
+            <a:pPr marL="285750" lvl="0" indent="-285750" algn="l" rtl="0">
+              <a:lnSpc>
+                <a:spcPct val="115000"/>
+              </a:lnSpc>
+              <a:spcBef>
+                <a:spcPts val="0"/>
+              </a:spcBef>
+              <a:spcAft>
+                <a:spcPts val="1600"/>
+              </a:spcAft>
+              <a:buFont typeface="Wingdings" pitchFamily="2" charset="2"/>
+              <a:buChar char="v"/>
+            </a:pPr>
+            <a:r>
+              <a:rPr lang="en-US" sz="1300" dirty="0">
+                <a:solidFill>
+                  <a:srgbClr val="38761D"/>
+                </a:solidFill>
+              </a:rPr>
+              <a:t>Conduct quarterly survey</a:t>
+            </a:r>
+          </a:p>
+          <a:p>
+            <a:pPr marL="285750" lvl="0" indent="-285750" algn="l" rtl="0">
+              <a:lnSpc>
+                <a:spcPct val="115000"/>
+              </a:lnSpc>
+              <a:spcBef>
+                <a:spcPts val="0"/>
+              </a:spcBef>
+              <a:spcAft>
+                <a:spcPts val="1600"/>
+              </a:spcAft>
+              <a:buFont typeface="Wingdings" pitchFamily="2" charset="2"/>
+              <a:buChar char="v"/>
+            </a:pPr>
+            <a:r>
+              <a:rPr lang="en-US" sz="1300" dirty="0">
+                <a:solidFill>
+                  <a:srgbClr val="38761D"/>
+                </a:solidFill>
+              </a:rPr>
+              <a:t>Create a project plan  based on the strategic actions planned from the key outcomes</a:t>
+            </a:r>
+          </a:p>
+          <a:p>
+            <a:pPr marL="285750" lvl="0" indent="-285750" algn="l" rtl="0">
+              <a:lnSpc>
+                <a:spcPct val="115000"/>
+              </a:lnSpc>
+              <a:spcBef>
+                <a:spcPts val="0"/>
+              </a:spcBef>
+              <a:spcAft>
+                <a:spcPts val="1600"/>
+              </a:spcAft>
+              <a:buFont typeface="Wingdings" pitchFamily="2" charset="2"/>
+              <a:buChar char="v"/>
+            </a:pPr>
+            <a:endParaRPr sz="1300" i="1" u="sng" dirty="0">
               <a:solidFill>
                 <a:srgbClr val="38761D"/>
               </a:solidFill>
